--- a/trunk/ tsp01-contratos-clientes/ITERACION01_TP01/S01/PPT SI01-02 MCUN.pptx
+++ b/trunk/ tsp01-contratos-clientes/ITERACION01_TP01/S01/PPT SI01-02 MCUN.pptx
@@ -5,7 +5,7 @@
     <p:sldMasterId id="2147483660" r:id="rId1"/>
   </p:sldMasterIdLst>
   <p:notesMasterIdLst>
-    <p:notesMasterId r:id="rId23"/>
+    <p:notesMasterId r:id="rId24"/>
   </p:notesMasterIdLst>
   <p:sldIdLst>
     <p:sldId id="256" r:id="rId2"/>
@@ -15,20 +15,21 @@
     <p:sldId id="281" r:id="rId6"/>
     <p:sldId id="280" r:id="rId7"/>
     <p:sldId id="269" r:id="rId8"/>
-    <p:sldId id="275" r:id="rId9"/>
-    <p:sldId id="258" r:id="rId10"/>
-    <p:sldId id="261" r:id="rId11"/>
-    <p:sldId id="262" r:id="rId12"/>
-    <p:sldId id="265" r:id="rId13"/>
-    <p:sldId id="263" r:id="rId14"/>
-    <p:sldId id="264" r:id="rId15"/>
-    <p:sldId id="266" r:id="rId16"/>
-    <p:sldId id="267" r:id="rId17"/>
-    <p:sldId id="276" r:id="rId18"/>
-    <p:sldId id="268" r:id="rId19"/>
-    <p:sldId id="277" r:id="rId20"/>
-    <p:sldId id="259" r:id="rId21"/>
-    <p:sldId id="260" r:id="rId22"/>
+    <p:sldId id="282" r:id="rId9"/>
+    <p:sldId id="275" r:id="rId10"/>
+    <p:sldId id="258" r:id="rId11"/>
+    <p:sldId id="261" r:id="rId12"/>
+    <p:sldId id="262" r:id="rId13"/>
+    <p:sldId id="265" r:id="rId14"/>
+    <p:sldId id="263" r:id="rId15"/>
+    <p:sldId id="264" r:id="rId16"/>
+    <p:sldId id="266" r:id="rId17"/>
+    <p:sldId id="267" r:id="rId18"/>
+    <p:sldId id="276" r:id="rId19"/>
+    <p:sldId id="268" r:id="rId20"/>
+    <p:sldId id="277" r:id="rId21"/>
+    <p:sldId id="259" r:id="rId22"/>
+    <p:sldId id="260" r:id="rId23"/>
   </p:sldIdLst>
   <p:sldSz cx="9144000" cy="6858000" type="screen4x3"/>
   <p:notesSz cx="6858000" cy="9144000"/>
@@ -262,7 +263,7 @@
             <a:pPr>
               <a:defRPr/>
             </a:pPr>
-            <a:fld id="{2BC9784B-C337-4CC8-A481-1DE2B5F9A7A0}" type="datetimeFigureOut">
+            <a:fld id="{24C1F741-63F3-435E-8DE5-9333596CB0C3}" type="datetimeFigureOut">
               <a:rPr lang="es-PE"/>
               <a:pPr>
                 <a:defRPr/>
@@ -449,7 +450,7 @@
             <a:pPr>
               <a:defRPr/>
             </a:pPr>
-            <a:fld id="{589DD176-F032-4FB5-997B-826511593EB9}" type="slidenum">
+            <a:fld id="{0785E15D-9805-4237-98A2-84D27FB1E2DF}" type="slidenum">
               <a:rPr lang="es-PE"/>
               <a:pPr>
                 <a:defRPr/>
@@ -607,7 +608,7 @@
       </p:grpSpPr>
       <p:sp>
         <p:nvSpPr>
-          <p:cNvPr id="27649" name="1 Marcador de imagen de diapositiva"/>
+          <p:cNvPr id="24577" name="1 Marcador de imagen de diapositiva"/>
           <p:cNvSpPr>
             <a:spLocks noGrp="1" noRot="1" noChangeAspect="1"/>
           </p:cNvSpPr>
@@ -629,7 +630,7 @@
       </p:sp>
       <p:sp>
         <p:nvSpPr>
-          <p:cNvPr id="27650" name="2 Marcador de notas"/>
+          <p:cNvPr id="24578" name="2 Marcador de notas"/>
           <p:cNvSpPr>
             <a:spLocks noGrp="1"/>
           </p:cNvSpPr>
@@ -691,7 +692,7 @@
               </a:spcAft>
               <a:defRPr/>
             </a:pPr>
-            <a:fld id="{E724995C-569E-42EF-822A-B960CAED8B4B}" type="slidenum">
+            <a:fld id="{73258E3B-5810-41BB-B3C9-E20D0A068E60}" type="slidenum">
               <a:rPr lang="es-PE"/>
               <a:pPr fontAlgn="base">
                 <a:spcBef>
@@ -702,7 +703,7 @@
                 </a:spcAft>
                 <a:defRPr/>
               </a:pPr>
-              <a:t>9</a:t>
+              <a:t>10</a:t>
             </a:fld>
             <a:endParaRPr lang="es-PE"/>
           </a:p>
@@ -2576,7 +2577,7 @@
             <a:pPr>
               <a:defRPr/>
             </a:pPr>
-            <a:fld id="{B2026B37-8211-4F7D-82BA-A5736E36A413}" type="datetimeFigureOut">
+            <a:fld id="{2DFD0771-F353-4320-89AC-56FE29EE8CBA}" type="datetimeFigureOut">
               <a:rPr lang="es-PE"/>
               <a:pPr>
                 <a:defRPr/>
@@ -2635,7 +2636,7 @@
             <a:pPr>
               <a:defRPr/>
             </a:pPr>
-            <a:fld id="{6F245DD0-DCF1-4AAF-A0B7-FF9F85D67284}" type="slidenum">
+            <a:fld id="{DFA4340E-5427-4561-91EC-19877B2129E0}" type="slidenum">
               <a:rPr lang="es-PE"/>
               <a:pPr>
                 <a:defRPr/>
@@ -2784,7 +2785,7 @@
             <a:pPr>
               <a:defRPr/>
             </a:pPr>
-            <a:fld id="{01B1A5C5-D52B-4403-90F4-70A8A80DB444}" type="datetimeFigureOut">
+            <a:fld id="{049EF6A2-EF3C-4667-8D87-7F3B3F327328}" type="datetimeFigureOut">
               <a:rPr lang="es-PE"/>
               <a:pPr>
                 <a:defRPr/>
@@ -2843,7 +2844,7 @@
             <a:pPr>
               <a:defRPr/>
             </a:pPr>
-            <a:fld id="{9E750622-1C72-4AEB-BBF4-261BC20173BC}" type="slidenum">
+            <a:fld id="{63618788-2461-4FDB-BE28-F578E4513690}" type="slidenum">
               <a:rPr lang="es-PE"/>
               <a:pPr>
                 <a:defRPr/>
@@ -4689,7 +4690,7 @@
             <a:pPr>
               <a:defRPr/>
             </a:pPr>
-            <a:fld id="{CF6E3A71-101B-493D-8251-11686F8AD4E4}" type="datetimeFigureOut">
+            <a:fld id="{9AD16DC5-7B32-40FB-99DD-0E63AEAF73C0}" type="datetimeFigureOut">
               <a:rPr lang="es-PE"/>
               <a:pPr>
                 <a:defRPr/>
@@ -4748,7 +4749,7 @@
             <a:pPr>
               <a:defRPr/>
             </a:pPr>
-            <a:fld id="{712E6080-AFF5-432B-9D46-3C2EDEF7FF85}" type="slidenum">
+            <a:fld id="{61125E97-0738-4D58-AE1E-91F9ADE59FA1}" type="slidenum">
               <a:rPr lang="es-PE"/>
               <a:pPr>
                 <a:defRPr/>
@@ -4806,7 +4807,7 @@
             <a:pPr>
               <a:defRPr/>
             </a:pPr>
-            <a:fld id="{956446ED-2E31-453D-B540-70F6B27C84A0}" type="datetimeFigureOut">
+            <a:fld id="{34DC4C02-B5B6-4B8E-B202-F788C641EB0C}" type="datetimeFigureOut">
               <a:rPr lang="es-PE"/>
               <a:pPr>
                 <a:defRPr/>
@@ -4865,7 +4866,7 @@
             <a:pPr>
               <a:defRPr/>
             </a:pPr>
-            <a:fld id="{0D3A6275-0BEC-4079-B6AC-F957EB6A6019}" type="slidenum">
+            <a:fld id="{BEB433E9-ABAD-4C87-A679-FE3E1992D92E}" type="slidenum">
               <a:rPr lang="es-PE"/>
               <a:pPr>
                 <a:defRPr/>
@@ -4998,7 +4999,7 @@
             <a:pPr>
               <a:defRPr/>
             </a:pPr>
-            <a:fld id="{C7EFE454-9DC5-498E-BD65-1BD332D1F106}" type="datetimeFigureOut">
+            <a:fld id="{D0200978-2FA8-4FE7-B48E-BBCF7C0BC3A7}" type="datetimeFigureOut">
               <a:rPr lang="es-PE"/>
               <a:pPr>
                 <a:defRPr/>
@@ -5057,7 +5058,7 @@
             <a:pPr>
               <a:defRPr/>
             </a:pPr>
-            <a:fld id="{3BBF30D0-354B-4AFC-8586-2FD58BB9AA10}" type="slidenum">
+            <a:fld id="{B5FD0993-E1E2-4E69-B605-63F95D2B59EC}" type="slidenum">
               <a:rPr lang="es-PE"/>
               <a:pPr>
                 <a:defRPr/>
@@ -6915,7 +6916,7 @@
             <a:pPr>
               <a:defRPr/>
             </a:pPr>
-            <a:fld id="{B9190C2F-55D6-4035-B4EE-2594796B71B9}" type="datetimeFigureOut">
+            <a:fld id="{0103516A-3D34-45B5-9FC3-89B9B996A7E5}" type="datetimeFigureOut">
               <a:rPr lang="es-PE"/>
               <a:pPr>
                 <a:defRPr/>
@@ -6974,7 +6975,7 @@
             <a:pPr>
               <a:defRPr/>
             </a:pPr>
-            <a:fld id="{97E81DC6-F8FB-404E-8D92-FCE6C464DD15}" type="slidenum">
+            <a:fld id="{A652437D-25AB-4371-A9AB-9B8641425AA5}" type="slidenum">
               <a:rPr lang="es-PE"/>
               <a:pPr>
                 <a:defRPr/>
@@ -7169,7 +7170,7 @@
             <a:pPr>
               <a:defRPr/>
             </a:pPr>
-            <a:fld id="{CCF976A9-8D23-44D0-ABC1-03BBE3E786C0}" type="datetimeFigureOut">
+            <a:fld id="{90E15A10-0E0B-4312-BD5F-92381B1B1879}" type="datetimeFigureOut">
               <a:rPr lang="es-PE"/>
               <a:pPr>
                 <a:defRPr/>
@@ -7228,7 +7229,7 @@
             <a:pPr>
               <a:defRPr/>
             </a:pPr>
-            <a:fld id="{7D550DAF-1224-4882-B066-9D1F561943E9}" type="slidenum">
+            <a:fld id="{D5D72B67-8374-4931-8975-77603D482998}" type="slidenum">
               <a:rPr lang="es-PE"/>
               <a:pPr>
                 <a:defRPr/>
@@ -7623,7 +7624,7 @@
             <a:pPr>
               <a:defRPr/>
             </a:pPr>
-            <a:fld id="{4B933D5B-1DDD-4E93-8D59-8D932C494B62}" type="datetimeFigureOut">
+            <a:fld id="{EF88A772-2724-4277-B0A9-DC1CD9237FA6}" type="datetimeFigureOut">
               <a:rPr lang="es-PE"/>
               <a:pPr>
                 <a:defRPr/>
@@ -7682,7 +7683,7 @@
             <a:pPr>
               <a:defRPr/>
             </a:pPr>
-            <a:fld id="{0B138ABD-32EC-4E8A-9C8E-B712690BE550}" type="slidenum">
+            <a:fld id="{8E4147EE-4C49-46C2-82F4-F9390DCBEE9B}" type="slidenum">
               <a:rPr lang="es-PE"/>
               <a:pPr>
                 <a:defRPr/>
@@ -7763,7 +7764,7 @@
             <a:pPr>
               <a:defRPr/>
             </a:pPr>
-            <a:fld id="{3C77AFC2-92C8-4197-94B4-8C94EA3770AB}" type="datetimeFigureOut">
+            <a:fld id="{A7850D9F-F7E3-4DAD-9835-FFB09AC4D502}" type="datetimeFigureOut">
               <a:rPr lang="es-PE"/>
               <a:pPr>
                 <a:defRPr/>
@@ -7822,7 +7823,7 @@
             <a:pPr>
               <a:defRPr/>
             </a:pPr>
-            <a:fld id="{C04DF999-AB6C-48B3-B86D-DCF7F6D9A318}" type="slidenum">
+            <a:fld id="{F47EC454-FDA5-45D4-ADEC-C198B2F3A926}" type="slidenum">
               <a:rPr lang="es-PE"/>
               <a:pPr>
                 <a:defRPr/>
@@ -9544,7 +9545,7 @@
             <a:pPr>
               <a:defRPr/>
             </a:pPr>
-            <a:fld id="{A3950A58-2FEE-4460-8378-06C682193B51}" type="datetimeFigureOut">
+            <a:fld id="{28D2C84D-CF02-488C-9A4A-0749447C734F}" type="datetimeFigureOut">
               <a:rPr lang="es-PE"/>
               <a:pPr>
                 <a:defRPr/>
@@ -9603,7 +9604,7 @@
             <a:pPr>
               <a:defRPr/>
             </a:pPr>
-            <a:fld id="{AB59DF81-7851-4B3B-A3E7-537F2A687D66}" type="slidenum">
+            <a:fld id="{06AA17F6-9144-4747-9347-0E499FABA071}" type="slidenum">
               <a:rPr lang="es-PE"/>
               <a:pPr>
                 <a:defRPr/>
@@ -11560,7 +11561,7 @@
             <a:pPr>
               <a:defRPr/>
             </a:pPr>
-            <a:fld id="{523DCBCE-85CE-4857-B2DB-5E373F9433BF}" type="datetimeFigureOut">
+            <a:fld id="{964A002E-4FDB-40BA-9DD9-4A80B2ABC851}" type="datetimeFigureOut">
               <a:rPr lang="es-PE"/>
               <a:pPr>
                 <a:defRPr/>
@@ -11619,7 +11620,7 @@
             <a:pPr>
               <a:defRPr/>
             </a:pPr>
-            <a:fld id="{154D5278-CE73-4C94-9454-B27F4E5CDF61}" type="slidenum">
+            <a:fld id="{2F230A42-3CCC-43E2-BA47-DCBCA690217B}" type="slidenum">
               <a:rPr lang="es-PE"/>
               <a:pPr>
                 <a:defRPr/>
@@ -13547,7 +13548,7 @@
             <a:pPr>
               <a:defRPr/>
             </a:pPr>
-            <a:fld id="{F3BCBA6F-0C81-47BE-B532-7F0122552C57}" type="datetimeFigureOut">
+            <a:fld id="{0AA2117E-3DFA-413E-957B-713B20D8D1DA}" type="datetimeFigureOut">
               <a:rPr lang="es-PE"/>
               <a:pPr>
                 <a:defRPr/>
@@ -13606,7 +13607,7 @@
             <a:pPr>
               <a:defRPr/>
             </a:pPr>
-            <a:fld id="{9E28C7C4-CAED-4957-BEEB-A180CFFFCEF0}" type="slidenum">
+            <a:fld id="{DFAF69B8-8F32-4BAB-987A-F8EFFFB75CE8}" type="slidenum">
               <a:rPr lang="es-PE"/>
               <a:pPr>
                 <a:defRPr/>
@@ -15395,7 +15396,7 @@
             <a:pPr>
               <a:defRPr/>
             </a:pPr>
-            <a:fld id="{C96A81C2-C7BF-4F47-9ECC-F967A55E9F37}" type="datetimeFigureOut">
+            <a:fld id="{53A7B836-B3D1-4E37-AE10-593337D7112C}" type="datetimeFigureOut">
               <a:rPr lang="es-PE"/>
               <a:pPr>
                 <a:defRPr/>
@@ -15492,7 +15493,7 @@
             <a:pPr>
               <a:defRPr/>
             </a:pPr>
-            <a:fld id="{F0B53D7C-6C43-41CF-B802-51D829E708D7}" type="slidenum">
+            <a:fld id="{5AF500AC-285D-450B-9114-9DE2052495A9}" type="slidenum">
               <a:rPr lang="es-PE"/>
               <a:pPr>
                 <a:defRPr/>
@@ -16247,6 +16248,577 @@
             </a:pPr>
             <a:r>
               <a:rPr lang="es-PE" dirty="0"/>
+              <a:t>ESPECIFICACION DE REGLAS DE </a:t>
+            </a:r>
+            <a:r>
+              <a:rPr lang="es-PE" dirty="0" smtClean="0"/>
+              <a:t>NEGOCIO (Contratos de Clientes)</a:t>
+            </a:r>
+            <a:endParaRPr lang="es-PE" dirty="0"/>
+          </a:p>
+        </p:txBody>
+      </p:sp>
+      <p:graphicFrame>
+        <p:nvGraphicFramePr>
+          <p:cNvPr id="6" name="5 Tabla"/>
+          <p:cNvGraphicFramePr>
+            <a:graphicFrameLocks noGrp="1"/>
+          </p:cNvGraphicFramePr>
+          <p:nvPr/>
+        </p:nvGraphicFramePr>
+        <p:xfrm>
+          <a:off x="323850" y="2349500"/>
+          <a:ext cx="8496300" cy="4248150"/>
+        </p:xfrm>
+        <a:graphic>
+          <a:graphicData uri="http://schemas.openxmlformats.org/drawingml/2006/table">
+            <a:tbl>
+              <a:tblPr firstRow="1" bandRow="1">
+                <a:tableStyleId>{BC89EF96-8CEA-46FF-86C4-4CE0E7609802}</a:tableStyleId>
+              </a:tblPr>
+              <a:tblGrid>
+                <a:gridCol w="2448272"/>
+                <a:gridCol w="6048672"/>
+              </a:tblGrid>
+              <a:tr h="1152128">
+                <a:tc>
+                  <a:txBody>
+                    <a:bodyPr/>
+                    <a:lstStyle/>
+                    <a:p>
+                      <a:endParaRPr lang="es-ES" dirty="0"/>
+                    </a:p>
+                  </a:txBody>
+                  <a:tcPr/>
+                </a:tc>
+                <a:tc>
+                  <a:txBody>
+                    <a:bodyPr/>
+                    <a:lstStyle/>
+                    <a:p>
+                      <a:pPr marL="0" marR="0" indent="0" algn="just" defTabSz="914400" rtl="0" eaLnBrk="1" fontAlgn="auto" latinLnBrk="0" hangingPunct="1">
+                        <a:lnSpc>
+                          <a:spcPct val="100000"/>
+                        </a:lnSpc>
+                        <a:spcBef>
+                          <a:spcPts val="0"/>
+                        </a:spcBef>
+                        <a:spcAft>
+                          <a:spcPts val="0"/>
+                        </a:spcAft>
+                        <a:buClrTx/>
+                        <a:buSzTx/>
+                        <a:buFontTx/>
+                        <a:buNone/>
+                        <a:tabLst/>
+                        <a:defRPr/>
+                      </a:pPr>
+                      <a:r>
+                        <a:rPr lang="es-PE" sz="1800" b="0" kern="1200" dirty="0" smtClean="0">
+                          <a:solidFill>
+                            <a:schemeClr val="tx1"/>
+                          </a:solidFill>
+                          <a:latin typeface="+mn-lt"/>
+                          <a:ea typeface="+mn-ea"/>
+                          <a:cs typeface="+mn-cs"/>
+                        </a:rPr>
+                        <a:t>Se definen los siguientes Tipos de Clientes: </a:t>
+                      </a:r>
+                    </a:p>
+                    <a:p>
+                      <a:pPr marL="0" marR="0" indent="0" algn="just" defTabSz="914400" rtl="0" eaLnBrk="1" fontAlgn="auto" latinLnBrk="0" hangingPunct="1">
+                        <a:lnSpc>
+                          <a:spcPct val="100000"/>
+                        </a:lnSpc>
+                        <a:spcBef>
+                          <a:spcPts val="0"/>
+                        </a:spcBef>
+                        <a:spcAft>
+                          <a:spcPts val="0"/>
+                        </a:spcAft>
+                        <a:buClrTx/>
+                        <a:buSzTx/>
+                        <a:buFontTx/>
+                        <a:buNone/>
+                        <a:tabLst/>
+                        <a:defRPr/>
+                      </a:pPr>
+                      <a:r>
+                        <a:rPr lang="es-PE" sz="1800" b="0" kern="1200" dirty="0" smtClean="0">
+                          <a:solidFill>
+                            <a:schemeClr val="tx1"/>
+                          </a:solidFill>
+                          <a:latin typeface="+mn-lt"/>
+                          <a:ea typeface="+mn-ea"/>
+                          <a:cs typeface="+mn-cs"/>
+                        </a:rPr>
+                        <a:t>potenciales, prospectos, primerizos, esporádicos, habituales, leales, desgastados e inactivos/desertores.</a:t>
+                      </a:r>
+                      <a:endParaRPr lang="es-ES" sz="1800" b="0" kern="1200" dirty="0" smtClean="0">
+                        <a:solidFill>
+                          <a:schemeClr val="tx1"/>
+                        </a:solidFill>
+                        <a:latin typeface="+mn-lt"/>
+                        <a:ea typeface="+mn-ea"/>
+                        <a:cs typeface="+mn-cs"/>
+                      </a:endParaRPr>
+                    </a:p>
+                    <a:p>
+                      <a:endParaRPr lang="es-ES" dirty="0"/>
+                    </a:p>
+                  </a:txBody>
+                  <a:tcPr/>
+                </a:tc>
+              </a:tr>
+              <a:tr h="1494205">
+                <a:tc>
+                  <a:txBody>
+                    <a:bodyPr/>
+                    <a:lstStyle/>
+                    <a:p>
+                      <a:endParaRPr lang="es-ES" dirty="0"/>
+                    </a:p>
+                  </a:txBody>
+                  <a:tcPr/>
+                </a:tc>
+                <a:tc>
+                  <a:txBody>
+                    <a:bodyPr/>
+                    <a:lstStyle/>
+                    <a:p>
+                      <a:pPr marL="0" marR="0" indent="0" algn="l" defTabSz="914400" rtl="0" eaLnBrk="1" fontAlgn="auto" latinLnBrk="0" hangingPunct="1">
+                        <a:lnSpc>
+                          <a:spcPct val="100000"/>
+                        </a:lnSpc>
+                        <a:spcBef>
+                          <a:spcPts val="0"/>
+                        </a:spcBef>
+                        <a:spcAft>
+                          <a:spcPts val="0"/>
+                        </a:spcAft>
+                        <a:buClrTx/>
+                        <a:buSzTx/>
+                        <a:buFontTx/>
+                        <a:buNone/>
+                        <a:tabLst/>
+                        <a:defRPr/>
+                      </a:pPr>
+                      <a:r>
+                        <a:rPr lang="es-PE" sz="1800" i="1" kern="1200" dirty="0" smtClean="0">
+                          <a:solidFill>
+                            <a:schemeClr val="tx1"/>
+                          </a:solidFill>
+                          <a:latin typeface="+mn-lt"/>
+                          <a:ea typeface="+mn-ea"/>
+                          <a:cs typeface="+mn-cs"/>
+                        </a:rPr>
+                        <a:t>Se definen las siguientes líneas para los Tipos de Servicio:  </a:t>
+                      </a:r>
+                      <a:r>
+                        <a:rPr lang="es-PE" sz="1800" i="1" kern="1200" dirty="0" err="1" smtClean="0">
+                          <a:solidFill>
+                            <a:schemeClr val="tx1"/>
+                          </a:solidFill>
+                          <a:latin typeface="+mn-lt"/>
+                          <a:ea typeface="+mn-ea"/>
+                          <a:cs typeface="+mn-cs"/>
+                        </a:rPr>
+                        <a:t>Outsourcing</a:t>
+                      </a:r>
+                      <a:r>
+                        <a:rPr lang="es-PE" sz="1800" i="1" kern="1200" dirty="0" smtClean="0">
+                          <a:solidFill>
+                            <a:schemeClr val="tx1"/>
+                          </a:solidFill>
+                          <a:latin typeface="+mn-lt"/>
+                          <a:ea typeface="+mn-ea"/>
+                          <a:cs typeface="+mn-cs"/>
+                        </a:rPr>
+                        <a:t> de Tecnología, Software </a:t>
+                      </a:r>
+                      <a:r>
+                        <a:rPr lang="es-PE" sz="1800" i="1" kern="1200" dirty="0" err="1" smtClean="0">
+                          <a:solidFill>
+                            <a:schemeClr val="tx1"/>
+                          </a:solidFill>
+                          <a:latin typeface="+mn-lt"/>
+                          <a:ea typeface="+mn-ea"/>
+                          <a:cs typeface="+mn-cs"/>
+                        </a:rPr>
+                        <a:t>factory</a:t>
+                      </a:r>
+                      <a:r>
+                        <a:rPr lang="es-PE" sz="1800" i="1" kern="1200" dirty="0" smtClean="0">
+                          <a:solidFill>
+                            <a:schemeClr val="tx1"/>
+                          </a:solidFill>
+                          <a:latin typeface="+mn-lt"/>
+                          <a:ea typeface="+mn-ea"/>
+                          <a:cs typeface="+mn-cs"/>
+                        </a:rPr>
+                        <a:t>, </a:t>
+                      </a:r>
+                      <a:r>
+                        <a:rPr lang="es-PE" sz="1800" i="1" kern="1200" dirty="0" err="1" smtClean="0">
+                          <a:solidFill>
+                            <a:schemeClr val="tx1"/>
+                          </a:solidFill>
+                          <a:latin typeface="+mn-lt"/>
+                          <a:ea typeface="+mn-ea"/>
+                          <a:cs typeface="+mn-cs"/>
+                        </a:rPr>
+                        <a:t>Outsourcing</a:t>
+                      </a:r>
+                      <a:r>
+                        <a:rPr lang="es-PE" sz="1800" i="1" kern="1200" dirty="0" smtClean="0">
+                          <a:solidFill>
+                            <a:schemeClr val="tx1"/>
+                          </a:solidFill>
+                          <a:latin typeface="+mn-lt"/>
+                          <a:ea typeface="+mn-ea"/>
+                          <a:cs typeface="+mn-cs"/>
+                        </a:rPr>
+                        <a:t> de procesos, </a:t>
+                      </a:r>
+                      <a:r>
+                        <a:rPr lang="es-PE" sz="1800" i="1" kern="1200" dirty="0" err="1" smtClean="0">
+                          <a:solidFill>
+                            <a:schemeClr val="tx1"/>
+                          </a:solidFill>
+                          <a:latin typeface="+mn-lt"/>
+                          <a:ea typeface="+mn-ea"/>
+                          <a:cs typeface="+mn-cs"/>
+                        </a:rPr>
+                        <a:t>Outsourcing</a:t>
+                      </a:r>
+                      <a:r>
+                        <a:rPr lang="es-PE" sz="1800" i="1" kern="1200" dirty="0" smtClean="0">
+                          <a:solidFill>
+                            <a:schemeClr val="tx1"/>
+                          </a:solidFill>
+                          <a:latin typeface="+mn-lt"/>
+                          <a:ea typeface="+mn-ea"/>
+                          <a:cs typeface="+mn-cs"/>
+                        </a:rPr>
+                        <a:t> de servicios de aplicación y Servicios de tecnología</a:t>
+                      </a:r>
+                      <a:endParaRPr lang="es-ES" sz="1800" i="1" kern="1200" dirty="0" smtClean="0">
+                        <a:solidFill>
+                          <a:schemeClr val="tx1"/>
+                        </a:solidFill>
+                        <a:latin typeface="+mn-lt"/>
+                        <a:ea typeface="+mn-ea"/>
+                        <a:cs typeface="+mn-cs"/>
+                      </a:endParaRPr>
+                    </a:p>
+                  </a:txBody>
+                  <a:tcPr/>
+                </a:tc>
+              </a:tr>
+              <a:tr h="1565547">
+                <a:tc>
+                  <a:txBody>
+                    <a:bodyPr/>
+                    <a:lstStyle/>
+                    <a:p>
+                      <a:endParaRPr lang="es-ES" dirty="0"/>
+                    </a:p>
+                  </a:txBody>
+                  <a:tcPr/>
+                </a:tc>
+                <a:tc>
+                  <a:txBody>
+                    <a:bodyPr/>
+                    <a:lstStyle/>
+                    <a:p>
+                      <a:pPr marL="0" marR="0" indent="0" algn="l" defTabSz="914400" rtl="0" eaLnBrk="1" fontAlgn="auto" latinLnBrk="0" hangingPunct="1">
+                        <a:lnSpc>
+                          <a:spcPct val="100000"/>
+                        </a:lnSpc>
+                        <a:spcBef>
+                          <a:spcPts val="0"/>
+                        </a:spcBef>
+                        <a:spcAft>
+                          <a:spcPts val="0"/>
+                        </a:spcAft>
+                        <a:buClrTx/>
+                        <a:buSzTx/>
+                        <a:buFontTx/>
+                        <a:buNone/>
+                        <a:tabLst/>
+                        <a:defRPr/>
+                      </a:pPr>
+                      <a:r>
+                        <a:rPr lang="es-PE" sz="1800" i="1" kern="1200" dirty="0" smtClean="0">
+                          <a:solidFill>
+                            <a:schemeClr val="tx1"/>
+                          </a:solidFill>
+                          <a:latin typeface="+mn-lt"/>
+                          <a:ea typeface="+mn-ea"/>
+                          <a:cs typeface="+mn-cs"/>
+                        </a:rPr>
+                        <a:t>Se definen las siguientes Categorías de Tipos de Cliente: </a:t>
+                      </a:r>
+                    </a:p>
+                    <a:p>
+                      <a:pPr marL="0" marR="0" indent="0" algn="l" defTabSz="914400" rtl="0" eaLnBrk="1" fontAlgn="auto" latinLnBrk="0" hangingPunct="1">
+                        <a:lnSpc>
+                          <a:spcPct val="100000"/>
+                        </a:lnSpc>
+                        <a:spcBef>
+                          <a:spcPts val="0"/>
+                        </a:spcBef>
+                        <a:spcAft>
+                          <a:spcPts val="0"/>
+                        </a:spcAft>
+                        <a:buClrTx/>
+                        <a:buSzTx/>
+                        <a:buFontTx/>
+                        <a:buNone/>
+                        <a:tabLst/>
+                        <a:defRPr/>
+                      </a:pPr>
+                      <a:r>
+                        <a:rPr lang="es-PE" sz="1800" i="1" kern="1200" dirty="0" smtClean="0">
+                          <a:solidFill>
+                            <a:schemeClr val="tx1"/>
+                          </a:solidFill>
+                          <a:latin typeface="+mn-lt"/>
+                          <a:ea typeface="+mn-ea"/>
+                          <a:cs typeface="+mn-cs"/>
+                        </a:rPr>
+                        <a:t>1= Industria y Comercio, </a:t>
+                      </a:r>
+                    </a:p>
+                    <a:p>
+                      <a:pPr marL="0" marR="0" indent="0" algn="l" defTabSz="914400" rtl="0" eaLnBrk="1" fontAlgn="auto" latinLnBrk="0" hangingPunct="1">
+                        <a:lnSpc>
+                          <a:spcPct val="100000"/>
+                        </a:lnSpc>
+                        <a:spcBef>
+                          <a:spcPts val="0"/>
+                        </a:spcBef>
+                        <a:spcAft>
+                          <a:spcPts val="0"/>
+                        </a:spcAft>
+                        <a:buClrTx/>
+                        <a:buSzTx/>
+                        <a:buFontTx/>
+                        <a:buNone/>
+                        <a:tabLst/>
+                        <a:defRPr/>
+                      </a:pPr>
+                      <a:r>
+                        <a:rPr lang="es-PE" sz="1800" i="1" kern="1200" dirty="0" smtClean="0">
+                          <a:solidFill>
+                            <a:schemeClr val="tx1"/>
+                          </a:solidFill>
+                          <a:latin typeface="+mn-lt"/>
+                          <a:ea typeface="+mn-ea"/>
+                          <a:cs typeface="+mn-cs"/>
+                        </a:rPr>
+                        <a:t>2= Banca y Finanzas y </a:t>
+                      </a:r>
+                    </a:p>
+                    <a:p>
+                      <a:pPr marL="0" marR="0" indent="0" algn="l" defTabSz="914400" rtl="0" eaLnBrk="1" fontAlgn="auto" latinLnBrk="0" hangingPunct="1">
+                        <a:lnSpc>
+                          <a:spcPct val="100000"/>
+                        </a:lnSpc>
+                        <a:spcBef>
+                          <a:spcPts val="0"/>
+                        </a:spcBef>
+                        <a:spcAft>
+                          <a:spcPts val="0"/>
+                        </a:spcAft>
+                        <a:buClrTx/>
+                        <a:buSzTx/>
+                        <a:buFontTx/>
+                        <a:buNone/>
+                        <a:tabLst/>
+                        <a:defRPr/>
+                      </a:pPr>
+                      <a:r>
+                        <a:rPr lang="es-PE" sz="1800" i="1" kern="1200" dirty="0" smtClean="0">
+                          <a:solidFill>
+                            <a:schemeClr val="tx1"/>
+                          </a:solidFill>
+                          <a:latin typeface="+mn-lt"/>
+                          <a:ea typeface="+mn-ea"/>
+                          <a:cs typeface="+mn-cs"/>
+                        </a:rPr>
+                        <a:t>3=  Gobierno y Servicios públicos</a:t>
+                      </a:r>
+                      <a:endParaRPr lang="es-ES" sz="1800" i="1" kern="1200" dirty="0" smtClean="0">
+                        <a:solidFill>
+                          <a:schemeClr val="tx1"/>
+                        </a:solidFill>
+                        <a:latin typeface="+mn-lt"/>
+                        <a:ea typeface="+mn-ea"/>
+                        <a:cs typeface="+mn-cs"/>
+                      </a:endParaRPr>
+                    </a:p>
+                  </a:txBody>
+                  <a:tcPr/>
+                </a:tc>
+              </a:tr>
+            </a:tbl>
+          </a:graphicData>
+        </a:graphic>
+      </p:graphicFrame>
+      <p:pic>
+        <p:nvPicPr>
+          <p:cNvPr id="23568" name="Picture 3"/>
+          <p:cNvPicPr>
+            <a:picLocks noChangeAspect="1" noChangeArrowheads="1"/>
+          </p:cNvPicPr>
+          <p:nvPr/>
+        </p:nvPicPr>
+        <p:blipFill>
+          <a:blip r:embed="rId3"/>
+          <a:srcRect/>
+          <a:stretch>
+            <a:fillRect/>
+          </a:stretch>
+        </p:blipFill>
+        <p:spPr bwMode="auto">
+          <a:xfrm>
+            <a:off x="395288" y="2420938"/>
+            <a:ext cx="2368550" cy="1201737"/>
+          </a:xfrm>
+          <a:prstGeom prst="rect">
+            <a:avLst/>
+          </a:prstGeom>
+          <a:noFill/>
+          <a:ln w="9525">
+            <a:noFill/>
+            <a:miter lim="800000"/>
+            <a:headEnd/>
+            <a:tailEnd/>
+          </a:ln>
+        </p:spPr>
+      </p:pic>
+      <p:pic>
+        <p:nvPicPr>
+          <p:cNvPr id="23569" name="Picture 4"/>
+          <p:cNvPicPr>
+            <a:picLocks noChangeAspect="1" noChangeArrowheads="1"/>
+          </p:cNvPicPr>
+          <p:nvPr/>
+        </p:nvPicPr>
+        <p:blipFill>
+          <a:blip r:embed="rId4"/>
+          <a:srcRect/>
+          <a:stretch>
+            <a:fillRect/>
+          </a:stretch>
+        </p:blipFill>
+        <p:spPr bwMode="auto">
+          <a:xfrm>
+            <a:off x="395288" y="3789363"/>
+            <a:ext cx="2373312" cy="1201737"/>
+          </a:xfrm>
+          <a:prstGeom prst="rect">
+            <a:avLst/>
+          </a:prstGeom>
+          <a:noFill/>
+          <a:ln w="9525">
+            <a:noFill/>
+            <a:miter lim="800000"/>
+            <a:headEnd/>
+            <a:tailEnd/>
+          </a:ln>
+        </p:spPr>
+      </p:pic>
+      <p:pic>
+        <p:nvPicPr>
+          <p:cNvPr id="23570" name="Picture 5"/>
+          <p:cNvPicPr>
+            <a:picLocks noChangeAspect="1" noChangeArrowheads="1"/>
+          </p:cNvPicPr>
+          <p:nvPr/>
+        </p:nvPicPr>
+        <p:blipFill>
+          <a:blip r:embed="rId5"/>
+          <a:srcRect/>
+          <a:stretch>
+            <a:fillRect/>
+          </a:stretch>
+        </p:blipFill>
+        <p:spPr bwMode="auto">
+          <a:xfrm>
+            <a:off x="395288" y="5300663"/>
+            <a:ext cx="2524125" cy="1201737"/>
+          </a:xfrm>
+          <a:prstGeom prst="rect">
+            <a:avLst/>
+          </a:prstGeom>
+          <a:noFill/>
+          <a:ln w="9525">
+            <a:noFill/>
+            <a:miter lim="800000"/>
+            <a:headEnd/>
+            <a:tailEnd/>
+          </a:ln>
+        </p:spPr>
+      </p:pic>
+    </p:spTree>
+  </p:cSld>
+  <p:clrMapOvr>
+    <a:masterClrMapping/>
+  </p:clrMapOvr>
+  <p:timing>
+    <p:tnLst>
+      <p:par>
+        <p:cTn id="1" dur="indefinite" restart="never" nodeType="tmRoot"/>
+      </p:par>
+    </p:tnLst>
+  </p:timing>
+</p:sld>
+</file>
+
+<file path=ppt/slides/slide11.xml><?xml version="1.0" encoding="utf-8"?>
+<p:sld xmlns:a="http://schemas.openxmlformats.org/drawingml/2006/main" xmlns:r="http://schemas.openxmlformats.org/officeDocument/2006/relationships" xmlns:p="http://schemas.openxmlformats.org/presentationml/2006/main">
+  <p:cSld>
+    <p:spTree>
+      <p:nvGrpSpPr>
+        <p:cNvPr id="1" name=""/>
+        <p:cNvGrpSpPr/>
+        <p:nvPr/>
+      </p:nvGrpSpPr>
+      <p:grpSpPr>
+        <a:xfrm>
+          <a:off x="0" y="0"/>
+          <a:ext cx="0" cy="0"/>
+          <a:chOff x="0" y="0"/>
+          <a:chExt cx="0" cy="0"/>
+        </a:xfrm>
+      </p:grpSpPr>
+      <p:sp>
+        <p:nvSpPr>
+          <p:cNvPr id="3" name="2 Título"/>
+          <p:cNvSpPr>
+            <a:spLocks noGrp="1"/>
+          </p:cNvSpPr>
+          <p:nvPr>
+            <p:ph type="title"/>
+          </p:nvPr>
+        </p:nvSpPr>
+        <p:spPr/>
+        <p:txBody>
+          <a:bodyPr rtlCol="0">
+            <a:normAutofit fontScale="90000"/>
+          </a:bodyPr>
+          <a:lstStyle/>
+          <a:p>
+            <a:pPr eaLnBrk="1" fontAlgn="auto" hangingPunct="1">
+              <a:spcAft>
+                <a:spcPts val="0"/>
+              </a:spcAft>
+              <a:defRPr/>
+            </a:pPr>
+            <a:r>
+              <a:rPr lang="es-PE" dirty="0"/>
               <a:t>ESPECIFICACION </a:t>
             </a:r>
             <a:r>
@@ -16814,7 +17386,7 @@
       </p:graphicFrame>
       <p:pic>
         <p:nvPicPr>
-          <p:cNvPr id="28682" name="Picture 2"/>
+          <p:cNvPr id="25610" name="Picture 2"/>
           <p:cNvPicPr>
             <a:picLocks noChangeAspect="1" noChangeArrowheads="1"/>
           </p:cNvPicPr>
@@ -16859,7 +17431,7 @@
 </p:sld>
 </file>
 
-<file path=ppt/slides/slide11.xml><?xml version="1.0" encoding="utf-8"?>
+<file path=ppt/slides/slide12.xml><?xml version="1.0" encoding="utf-8"?>
 <p:sld xmlns:a="http://schemas.openxmlformats.org/drawingml/2006/main" xmlns:r="http://schemas.openxmlformats.org/officeDocument/2006/relationships" xmlns:p="http://schemas.openxmlformats.org/presentationml/2006/main">
   <p:cSld>
     <p:spTree>
@@ -16997,7 +17569,7 @@
       </p:graphicFrame>
       <p:pic>
         <p:nvPicPr>
-          <p:cNvPr id="29706" name="Picture 2"/>
+          <p:cNvPr id="26634" name="Picture 2"/>
           <p:cNvPicPr>
             <a:picLocks noChangeAspect="1" noChangeArrowheads="1"/>
           </p:cNvPicPr>
@@ -17029,7 +17601,7 @@
       </p:pic>
       <p:pic>
         <p:nvPicPr>
-          <p:cNvPr id="29707" name="Picture 2"/>
+          <p:cNvPr id="26635" name="Picture 2"/>
           <p:cNvPicPr>
             <a:picLocks noChangeAspect="1" noChangeArrowheads="1"/>
           </p:cNvPicPr>
@@ -17074,7 +17646,7 @@
 </p:sld>
 </file>
 
-<file path=ppt/slides/slide12.xml><?xml version="1.0" encoding="utf-8"?>
+<file path=ppt/slides/slide13.xml><?xml version="1.0" encoding="utf-8"?>
 <p:sld xmlns:a="http://schemas.openxmlformats.org/drawingml/2006/main" xmlns:r="http://schemas.openxmlformats.org/officeDocument/2006/relationships" xmlns:p="http://schemas.openxmlformats.org/presentationml/2006/main">
   <p:cSld>
     <p:spTree>
@@ -17212,7 +17784,7 @@
       </p:graphicFrame>
       <p:pic>
         <p:nvPicPr>
-          <p:cNvPr id="30730" name="6 Imagen" descr="http://www.cdti.es/recursos/img/Servicios/Red_PIDi/Tutorial_BMP/Incentivos_N1/9323_1311312010115741.JPG"/>
+          <p:cNvPr id="27658" name="6 Imagen" descr="http://www.cdti.es/recursos/img/Servicios/Red_PIDi/Tutorial_BMP/Incentivos_N1/9323_1311312010115741.JPG"/>
           <p:cNvPicPr>
             <a:picLocks noChangeAspect="1" noChangeArrowheads="1"/>
           </p:cNvPicPr>
@@ -17244,7 +17816,7 @@
       </p:pic>
       <p:pic>
         <p:nvPicPr>
-          <p:cNvPr id="30731" name="Picture 2"/>
+          <p:cNvPr id="27659" name="Picture 2"/>
           <p:cNvPicPr>
             <a:picLocks noChangeAspect="1" noChangeArrowheads="1"/>
           </p:cNvPicPr>
@@ -17289,7 +17861,7 @@
 </p:sld>
 </file>
 
-<file path=ppt/slides/slide13.xml><?xml version="1.0" encoding="utf-8"?>
+<file path=ppt/slides/slide14.xml><?xml version="1.0" encoding="utf-8"?>
 <p:sld xmlns:a="http://schemas.openxmlformats.org/drawingml/2006/main" xmlns:r="http://schemas.openxmlformats.org/officeDocument/2006/relationships" xmlns:p="http://schemas.openxmlformats.org/presentationml/2006/main">
   <p:cSld>
     <p:spTree>
@@ -17973,7 +18545,7 @@
       </p:graphicFrame>
       <p:pic>
         <p:nvPicPr>
-          <p:cNvPr id="31761" name="Picture 3"/>
+          <p:cNvPr id="28688" name="Picture 3"/>
           <p:cNvPicPr>
             <a:picLocks noChangeAspect="1" noChangeArrowheads="1"/>
           </p:cNvPicPr>
@@ -18005,7 +18577,7 @@
       </p:pic>
       <p:pic>
         <p:nvPicPr>
-          <p:cNvPr id="31762" name="Picture 4"/>
+          <p:cNvPr id="28689" name="Picture 4"/>
           <p:cNvPicPr>
             <a:picLocks noChangeAspect="1" noChangeArrowheads="1"/>
           </p:cNvPicPr>
@@ -18037,7 +18609,7 @@
       </p:pic>
       <p:pic>
         <p:nvPicPr>
-          <p:cNvPr id="31764" name="Picture 20"/>
+          <p:cNvPr id="28690" name="Picture 20"/>
           <p:cNvPicPr>
             <a:picLocks noChangeAspect="1" noChangeArrowheads="1"/>
           </p:cNvPicPr>
@@ -18065,7 +18637,6 @@
             <a:headEnd/>
             <a:tailEnd/>
           </a:ln>
-          <a:effectLst/>
         </p:spPr>
       </p:pic>
     </p:spTree>
@@ -18083,7 +18654,7 @@
 </p:sld>
 </file>
 
-<file path=ppt/slides/slide14.xml><?xml version="1.0" encoding="utf-8"?>
+<file path=ppt/slides/slide15.xml><?xml version="1.0" encoding="utf-8"?>
 <p:sld xmlns:a="http://schemas.openxmlformats.org/drawingml/2006/main" xmlns:r="http://schemas.openxmlformats.org/officeDocument/2006/relationships" xmlns:p="http://schemas.openxmlformats.org/presentationml/2006/main">
   <p:cSld>
     <p:spTree>
@@ -18153,7 +18724,7 @@
         </p:nvGraphicFramePr>
         <p:xfrm>
           <a:off x="323850" y="2349500"/>
-          <a:ext cx="8569325" cy="3978275"/>
+          <a:ext cx="8569325" cy="3976688"/>
         </p:xfrm>
         <a:graphic>
           <a:graphicData uri="http://schemas.openxmlformats.org/drawingml/2006/table">
@@ -18811,7 +19382,7 @@
       </p:graphicFrame>
       <p:pic>
         <p:nvPicPr>
-          <p:cNvPr id="32786" name="Picture 4"/>
+          <p:cNvPr id="29712" name="Picture 4"/>
           <p:cNvPicPr>
             <a:picLocks noChangeAspect="1" noChangeArrowheads="1"/>
           </p:cNvPicPr>
@@ -18843,7 +19414,7 @@
       </p:pic>
       <p:pic>
         <p:nvPicPr>
-          <p:cNvPr id="32790" name="Picture 22"/>
+          <p:cNvPr id="29713" name="Picture 22"/>
           <p:cNvPicPr>
             <a:picLocks noChangeAspect="1" noChangeArrowheads="1"/>
           </p:cNvPicPr>
@@ -18871,12 +19442,11 @@
             <a:headEnd/>
             <a:tailEnd/>
           </a:ln>
-          <a:effectLst/>
         </p:spPr>
       </p:pic>
       <p:pic>
         <p:nvPicPr>
-          <p:cNvPr id="32791" name="Picture 23"/>
+          <p:cNvPr id="29714" name="Picture 23"/>
           <p:cNvPicPr>
             <a:picLocks noChangeAspect="1" noChangeArrowheads="1"/>
           </p:cNvPicPr>
@@ -18904,7 +19474,6 @@
             <a:headEnd/>
             <a:tailEnd/>
           </a:ln>
-          <a:effectLst/>
         </p:spPr>
       </p:pic>
     </p:spTree>
@@ -18922,7 +19491,7 @@
 </p:sld>
 </file>
 
-<file path=ppt/slides/slide15.xml><?xml version="1.0" encoding="utf-8"?>
+<file path=ppt/slides/slide16.xml><?xml version="1.0" encoding="utf-8"?>
 <p:sld xmlns:a="http://schemas.openxmlformats.org/drawingml/2006/main" xmlns:r="http://schemas.openxmlformats.org/officeDocument/2006/relationships" xmlns:p="http://schemas.openxmlformats.org/presentationml/2006/main">
   <p:cSld>
     <p:spTree>
@@ -18992,7 +19561,7 @@
         </p:nvGraphicFramePr>
         <p:xfrm>
           <a:off x="323850" y="2139950"/>
-          <a:ext cx="8569325" cy="4602163"/>
+          <a:ext cx="8569325" cy="4598988"/>
         </p:xfrm>
         <a:graphic>
           <a:graphicData uri="http://schemas.openxmlformats.org/drawingml/2006/table">
@@ -19722,7 +20291,7 @@
       </p:graphicFrame>
       <p:pic>
         <p:nvPicPr>
-          <p:cNvPr id="33812" name="Picture 20"/>
+          <p:cNvPr id="30736" name="Picture 20"/>
           <p:cNvPicPr>
             <a:picLocks noChangeAspect="1" noChangeArrowheads="1"/>
           </p:cNvPicPr>
@@ -19750,12 +20319,11 @@
             <a:headEnd/>
             <a:tailEnd/>
           </a:ln>
-          <a:effectLst/>
         </p:spPr>
       </p:pic>
       <p:pic>
         <p:nvPicPr>
-          <p:cNvPr id="33813" name="Picture 21"/>
+          <p:cNvPr id="30737" name="Picture 21"/>
           <p:cNvPicPr>
             <a:picLocks noChangeAspect="1" noChangeArrowheads="1"/>
           </p:cNvPicPr>
@@ -19783,12 +20351,11 @@
             <a:headEnd/>
             <a:tailEnd/>
           </a:ln>
-          <a:effectLst/>
         </p:spPr>
       </p:pic>
       <p:pic>
         <p:nvPicPr>
-          <p:cNvPr id="33820" name="Picture 28"/>
+          <p:cNvPr id="30738" name="Picture 28"/>
           <p:cNvPicPr>
             <a:picLocks noChangeAspect="1" noChangeArrowheads="1"/>
           </p:cNvPicPr>
@@ -19816,7 +20383,6 @@
             <a:headEnd/>
             <a:tailEnd/>
           </a:ln>
-          <a:effectLst/>
         </p:spPr>
       </p:pic>
     </p:spTree>
@@ -19834,7 +20400,7 @@
 </p:sld>
 </file>
 
-<file path=ppt/slides/slide16.xml><?xml version="1.0" encoding="utf-8"?>
+<file path=ppt/slides/slide17.xml><?xml version="1.0" encoding="utf-8"?>
 <p:sld xmlns:a="http://schemas.openxmlformats.org/drawingml/2006/main" xmlns:r="http://schemas.openxmlformats.org/officeDocument/2006/relationships" xmlns:p="http://schemas.openxmlformats.org/presentationml/2006/main">
   <p:cSld>
     <p:spTree>
@@ -20362,7 +20928,7 @@
       </p:graphicFrame>
       <p:pic>
         <p:nvPicPr>
-          <p:cNvPr id="34828" name="Picture 12"/>
+          <p:cNvPr id="31757" name="Picture 12"/>
           <p:cNvPicPr>
             <a:picLocks noChangeAspect="1" noChangeArrowheads="1"/>
           </p:cNvPicPr>
@@ -20390,12 +20956,11 @@
             <a:headEnd/>
             <a:tailEnd/>
           </a:ln>
-          <a:effectLst/>
         </p:spPr>
       </p:pic>
       <p:pic>
         <p:nvPicPr>
-          <p:cNvPr id="34835" name="Picture 19"/>
+          <p:cNvPr id="31758" name="Picture 19"/>
           <p:cNvPicPr>
             <a:picLocks noChangeAspect="1" noChangeArrowheads="1"/>
           </p:cNvPicPr>
@@ -20423,7 +20988,6 @@
             <a:headEnd/>
             <a:tailEnd/>
           </a:ln>
-          <a:effectLst/>
         </p:spPr>
       </p:pic>
     </p:spTree>
@@ -20441,7 +21005,7 @@
 </p:sld>
 </file>
 
-<file path=ppt/slides/slide17.xml><?xml version="1.0" encoding="utf-8"?>
+<file path=ppt/slides/slide18.xml><?xml version="1.0" encoding="utf-8"?>
 <p:sld xmlns:a="http://schemas.openxmlformats.org/drawingml/2006/main" xmlns:r="http://schemas.openxmlformats.org/officeDocument/2006/relationships" xmlns:p="http://schemas.openxmlformats.org/presentationml/2006/main">
   <p:cSld>
     <p:spTree>
@@ -20522,10 +21086,17 @@
   <p:clrMapOvr>
     <a:masterClrMapping/>
   </p:clrMapOvr>
+  <p:timing>
+    <p:tnLst>
+      <p:par>
+        <p:cTn id="1" dur="indefinite" restart="never" nodeType="tmRoot"/>
+      </p:par>
+    </p:tnLst>
+  </p:timing>
 </p:sld>
 </file>
 
-<file path=ppt/slides/slide18.xml><?xml version="1.0" encoding="utf-8"?>
+<file path=ppt/slides/slide19.xml><?xml version="1.0" encoding="utf-8"?>
 <p:sld xmlns:a="http://schemas.openxmlformats.org/drawingml/2006/main" xmlns:r="http://schemas.openxmlformats.org/officeDocument/2006/relationships" xmlns:p="http://schemas.openxmlformats.org/presentationml/2006/main">
   <p:cSld>
     <p:spTree>
@@ -20582,7 +21153,7 @@
           <p:nvPr/>
         </p:nvGraphicFramePr>
         <p:xfrm>
-          <a:off x="323850" y="2038350"/>
+          <a:off x="323850" y="3573463"/>
           <a:ext cx="8569325" cy="1584325"/>
         </p:xfrm>
         <a:graphic>
@@ -20790,7 +21361,7 @@
       </p:graphicFrame>
       <p:pic>
         <p:nvPicPr>
-          <p:cNvPr id="36885" name="Picture 21"/>
+          <p:cNvPr id="33802" name="Picture 21"/>
           <p:cNvPicPr>
             <a:picLocks noChangeAspect="1" noChangeArrowheads="1"/>
           </p:cNvPicPr>
@@ -20805,8 +21376,8 @@
         </p:blipFill>
         <p:spPr bwMode="auto">
           <a:xfrm>
-            <a:off x="611188" y="2205038"/>
-            <a:ext cx="1944687" cy="1397000"/>
+            <a:off x="539750" y="3644900"/>
+            <a:ext cx="1944688" cy="1397000"/>
           </a:xfrm>
           <a:prstGeom prst="rect">
             <a:avLst/>
@@ -20818,7 +21389,6 @@
             <a:headEnd/>
             <a:tailEnd/>
           </a:ln>
-          <a:effectLst/>
         </p:spPr>
       </p:pic>
     </p:spTree>
@@ -20833,90 +21403,6 @@
       </p:par>
     </p:tnLst>
   </p:timing>
-</p:sld>
-</file>
-
-<file path=ppt/slides/slide19.xml><?xml version="1.0" encoding="utf-8"?>
-<p:sld xmlns:a="http://schemas.openxmlformats.org/drawingml/2006/main" xmlns:r="http://schemas.openxmlformats.org/officeDocument/2006/relationships" xmlns:p="http://schemas.openxmlformats.org/presentationml/2006/main">
-  <p:cSld>
-    <p:spTree>
-      <p:nvGrpSpPr>
-        <p:cNvPr id="1" name=""/>
-        <p:cNvGrpSpPr/>
-        <p:nvPr/>
-      </p:nvGrpSpPr>
-      <p:grpSpPr>
-        <a:xfrm>
-          <a:off x="0" y="0"/>
-          <a:ext cx="0" cy="0"/>
-          <a:chOff x="0" y="0"/>
-          <a:chExt cx="0" cy="0"/>
-        </a:xfrm>
-      </p:grpSpPr>
-      <p:sp>
-        <p:nvSpPr>
-          <p:cNvPr id="3" name="2 Título"/>
-          <p:cNvSpPr>
-            <a:spLocks noGrp="1"/>
-          </p:cNvSpPr>
-          <p:nvPr>
-            <p:ph type="title"/>
-          </p:nvPr>
-        </p:nvSpPr>
-        <p:spPr>
-          <a:xfrm>
-            <a:off x="611188" y="2852738"/>
-            <a:ext cx="8229600" cy="1252537"/>
-          </a:xfrm>
-        </p:spPr>
-        <p:txBody>
-          <a:bodyPr rtlCol="0">
-            <a:normAutofit fontScale="90000"/>
-          </a:bodyPr>
-          <a:lstStyle/>
-          <a:p>
-            <a:pPr eaLnBrk="1" fontAlgn="auto" hangingPunct="1">
-              <a:spcAft>
-                <a:spcPts val="0"/>
-              </a:spcAft>
-              <a:defRPr/>
-            </a:pPr>
-            <a:r>
-              <a:rPr lang="es-PE" b="1" dirty="0" smtClean="0">
-                <a:solidFill>
-                  <a:srgbClr val="C00000"/>
-                </a:solidFill>
-              </a:rPr>
-              <a:t>DIAGRAMA DE CASOS DE USO DEL NEGOCIO</a:t>
-            </a:r>
-            <a:br>
-              <a:rPr lang="es-PE" b="1" dirty="0" smtClean="0">
-                <a:solidFill>
-                  <a:srgbClr val="C00000"/>
-                </a:solidFill>
-              </a:rPr>
-            </a:br>
-            <a:r>
-              <a:rPr lang="es-PE" b="1" dirty="0" smtClean="0">
-                <a:solidFill>
-                  <a:srgbClr val="C00000"/>
-                </a:solidFill>
-              </a:rPr>
-              <a:t>(Contratos de Clientes)</a:t>
-            </a:r>
-            <a:endParaRPr lang="es-PE" b="1" dirty="0">
-              <a:solidFill>
-                <a:srgbClr val="C00000"/>
-              </a:solidFill>
-            </a:endParaRPr>
-          </a:p>
-        </p:txBody>
-      </p:sp>
-    </p:spTree>
-  </p:cSld>
-  <p:clrMapOvr>
-    <a:masterClrMapping/>
-  </p:clrMapOvr>
 </p:sld>
 </file>
 
@@ -21023,10 +21509,108 @@
   <p:clrMapOvr>
     <a:masterClrMapping/>
   </p:clrMapOvr>
+  <p:timing>
+    <p:tnLst>
+      <p:par>
+        <p:cTn id="1" dur="indefinite" restart="never" nodeType="tmRoot"/>
+      </p:par>
+    </p:tnLst>
+  </p:timing>
 </p:sld>
 </file>
 
 <file path=ppt/slides/slide20.xml><?xml version="1.0" encoding="utf-8"?>
+<p:sld xmlns:a="http://schemas.openxmlformats.org/drawingml/2006/main" xmlns:r="http://schemas.openxmlformats.org/officeDocument/2006/relationships" xmlns:p="http://schemas.openxmlformats.org/presentationml/2006/main">
+  <p:cSld>
+    <p:spTree>
+      <p:nvGrpSpPr>
+        <p:cNvPr id="1" name=""/>
+        <p:cNvGrpSpPr/>
+        <p:nvPr/>
+      </p:nvGrpSpPr>
+      <p:grpSpPr>
+        <a:xfrm>
+          <a:off x="0" y="0"/>
+          <a:ext cx="0" cy="0"/>
+          <a:chOff x="0" y="0"/>
+          <a:chExt cx="0" cy="0"/>
+        </a:xfrm>
+      </p:grpSpPr>
+      <p:sp>
+        <p:nvSpPr>
+          <p:cNvPr id="3" name="2 Título"/>
+          <p:cNvSpPr>
+            <a:spLocks noGrp="1"/>
+          </p:cNvSpPr>
+          <p:nvPr>
+            <p:ph type="title"/>
+          </p:nvPr>
+        </p:nvSpPr>
+        <p:spPr>
+          <a:xfrm>
+            <a:off x="611188" y="2852738"/>
+            <a:ext cx="8229600" cy="1252537"/>
+          </a:xfrm>
+        </p:spPr>
+        <p:txBody>
+          <a:bodyPr rtlCol="0">
+            <a:normAutofit fontScale="90000"/>
+          </a:bodyPr>
+          <a:lstStyle/>
+          <a:p>
+            <a:pPr eaLnBrk="1" fontAlgn="auto" hangingPunct="1">
+              <a:spcAft>
+                <a:spcPts val="0"/>
+              </a:spcAft>
+              <a:defRPr/>
+            </a:pPr>
+            <a:r>
+              <a:rPr lang="es-PE" b="1" dirty="0" smtClean="0">
+                <a:solidFill>
+                  <a:srgbClr val="C00000"/>
+                </a:solidFill>
+              </a:rPr>
+              <a:t>DIAGRAMA DE CASOS DE USO DEL NEGOCIO</a:t>
+            </a:r>
+            <a:br>
+              <a:rPr lang="es-PE" b="1" dirty="0" smtClean="0">
+                <a:solidFill>
+                  <a:srgbClr val="C00000"/>
+                </a:solidFill>
+              </a:rPr>
+            </a:br>
+            <a:r>
+              <a:rPr lang="es-PE" b="1" dirty="0" smtClean="0">
+                <a:solidFill>
+                  <a:srgbClr val="C00000"/>
+                </a:solidFill>
+              </a:rPr>
+              <a:t>(Contratos de Clientes)</a:t>
+            </a:r>
+            <a:endParaRPr lang="es-PE" b="1" dirty="0">
+              <a:solidFill>
+                <a:srgbClr val="C00000"/>
+              </a:solidFill>
+            </a:endParaRPr>
+          </a:p>
+        </p:txBody>
+      </p:sp>
+    </p:spTree>
+  </p:cSld>
+  <p:clrMapOvr>
+    <a:masterClrMapping/>
+  </p:clrMapOvr>
+  <p:timing>
+    <p:tnLst>
+      <p:par>
+        <p:cTn id="1" dur="indefinite" restart="never" nodeType="tmRoot"/>
+      </p:par>
+    </p:tnLst>
+  </p:timing>
+</p:sld>
+</file>
+
+<file path=ppt/slides/slide21.xml><?xml version="1.0" encoding="utf-8"?>
 <p:sld xmlns:a="http://schemas.openxmlformats.org/drawingml/2006/main" xmlns:r="http://schemas.openxmlformats.org/officeDocument/2006/relationships" xmlns:p="http://schemas.openxmlformats.org/presentationml/2006/main">
   <p:cSld>
     <p:spTree>
@@ -21076,7 +21660,7 @@
       </p:sp>
       <p:pic>
         <p:nvPicPr>
-          <p:cNvPr id="38916" name="Picture 4"/>
+          <p:cNvPr id="35842" name="Picture 4"/>
           <p:cNvPicPr>
             <a:picLocks noChangeAspect="1" noChangeArrowheads="1"/>
           </p:cNvPicPr>
@@ -21091,8 +21675,8 @@
         </p:blipFill>
         <p:spPr bwMode="auto">
           <a:xfrm>
-            <a:off x="539750" y="3429000"/>
-            <a:ext cx="8243888" cy="2422525"/>
+            <a:off x="539750" y="2997200"/>
+            <a:ext cx="8243888" cy="2854325"/>
           </a:xfrm>
           <a:prstGeom prst="rect">
             <a:avLst/>
@@ -21104,7 +21688,6 @@
             <a:headEnd/>
             <a:tailEnd/>
           </a:ln>
-          <a:effectLst/>
         </p:spPr>
       </p:pic>
     </p:spTree>
@@ -21122,7 +21705,7 @@
 </p:sld>
 </file>
 
-<file path=ppt/slides/slide21.xml><?xml version="1.0" encoding="utf-8"?>
+<file path=ppt/slides/slide22.xml><?xml version="1.0" encoding="utf-8"?>
 <p:sld xmlns:a="http://schemas.openxmlformats.org/drawingml/2006/main" xmlns:r="http://schemas.openxmlformats.org/officeDocument/2006/relationships" xmlns:p="http://schemas.openxmlformats.org/presentationml/2006/main">
   <p:cSld>
     <p:spTree>
@@ -21141,7 +21724,7 @@
       </p:grpSpPr>
       <p:sp>
         <p:nvSpPr>
-          <p:cNvPr id="39937" name="1 Título"/>
+          <p:cNvPr id="36865" name="1 Título"/>
           <p:cNvSpPr>
             <a:spLocks noGrp="1"/>
           </p:cNvSpPr>
@@ -21170,7 +21753,7 @@
       </p:sp>
       <p:sp>
         <p:nvSpPr>
-          <p:cNvPr id="39938" name="2 Subtítulo"/>
+          <p:cNvPr id="36866" name="2 Subtítulo"/>
           <p:cNvSpPr>
             <a:spLocks noGrp="1"/>
           </p:cNvSpPr>
@@ -21198,7 +21781,7 @@
       </p:sp>
       <p:sp>
         <p:nvSpPr>
-          <p:cNvPr id="39939" name="3 CuadroTexto"/>
+          <p:cNvPr id="36867" name="3 CuadroTexto"/>
           <p:cNvSpPr txBox="1">
             <a:spLocks noChangeArrowheads="1"/>
           </p:cNvSpPr>
@@ -21283,7 +21866,7 @@
       </p:sp>
       <p:sp>
         <p:nvSpPr>
-          <p:cNvPr id="39940" name="4 CuadroTexto"/>
+          <p:cNvPr id="36868" name="4 CuadroTexto"/>
           <p:cNvSpPr txBox="1">
             <a:spLocks noChangeArrowheads="1"/>
           </p:cNvSpPr>
@@ -21413,40 +21996,8 @@
         </p:blipFill>
         <p:spPr bwMode="auto">
           <a:xfrm>
-            <a:off x="611188" y="2565400"/>
+            <a:off x="3059113" y="2997200"/>
             <a:ext cx="3673475" cy="2449513"/>
-          </a:xfrm>
-          <a:prstGeom prst="rect">
-            <a:avLst/>
-          </a:prstGeom>
-          <a:noFill/>
-          <a:ln w="9525">
-            <a:noFill/>
-            <a:miter lim="800000"/>
-            <a:headEnd/>
-            <a:tailEnd/>
-          </a:ln>
-        </p:spPr>
-      </p:pic>
-      <p:pic>
-        <p:nvPicPr>
-          <p:cNvPr id="17411" name="Picture 6"/>
-          <p:cNvPicPr>
-            <a:picLocks noChangeAspect="1" noChangeArrowheads="1"/>
-          </p:cNvPicPr>
-          <p:nvPr/>
-        </p:nvPicPr>
-        <p:blipFill>
-          <a:blip r:embed="rId3"/>
-          <a:srcRect l="29659" t="30988" r="8928" b="27025"/>
-          <a:stretch>
-            <a:fillRect/>
-          </a:stretch>
-        </p:blipFill>
-        <p:spPr bwMode="auto">
-          <a:xfrm>
-            <a:off x="4284663" y="4221163"/>
-            <a:ext cx="4535487" cy="2328862"/>
           </a:xfrm>
           <a:prstGeom prst="rect">
             <a:avLst/>
@@ -21465,6 +22016,13 @@
   <p:clrMapOvr>
     <a:masterClrMapping/>
   </p:clrMapOvr>
+  <p:timing>
+    <p:tnLst>
+      <p:par>
+        <p:cTn id="1" dur="indefinite" restart="never" nodeType="tmRoot"/>
+      </p:par>
+    </p:tnLst>
+  </p:timing>
 </p:sld>
 </file>
 
@@ -21487,7 +22045,7 @@
       </p:grpSpPr>
       <p:sp>
         <p:nvSpPr>
-          <p:cNvPr id="19457" name="2 Título"/>
+          <p:cNvPr id="18433" name="2 Título"/>
           <p:cNvSpPr>
             <a:spLocks noGrp="1"/>
           </p:cNvSpPr>
@@ -21507,7 +22065,22 @@
           <a:p>
             <a:pPr eaLnBrk="1" hangingPunct="1"/>
             <a:r>
-              <a:rPr lang="es-PE" sz="4800" smtClean="0">
+              <a:rPr lang="es-PE" smtClean="0">
+                <a:solidFill>
+                  <a:schemeClr val="tx2"/>
+                </a:solidFill>
+              </a:rPr>
+              <a:t>Flujo de actividades</a:t>
+            </a:r>
+            <a:br>
+              <a:rPr lang="es-PE" smtClean="0">
+                <a:solidFill>
+                  <a:schemeClr val="tx2"/>
+                </a:solidFill>
+              </a:rPr>
+            </a:br>
+            <a:r>
+              <a:rPr lang="es-PE" smtClean="0">
                 <a:solidFill>
                   <a:schemeClr val="tx2"/>
                 </a:solidFill>
@@ -21551,7 +22124,7 @@
       </p:grpSpPr>
       <p:sp>
         <p:nvSpPr>
-          <p:cNvPr id="47108" name="2 Título"/>
+          <p:cNvPr id="19457" name="2 Título"/>
           <p:cNvSpPr>
             <a:spLocks/>
           </p:cNvSpPr>
@@ -21576,6 +22149,18 @@
         <p:txBody>
           <a:bodyPr anchor="ctr"/>
           <a:lstStyle/>
+          <a:p>
+            <a:pPr algn="ctr"/>
+            <a:r>
+              <a:rPr lang="es-PE" sz="4800">
+                <a:solidFill>
+                  <a:schemeClr val="tx2"/>
+                </a:solidFill>
+                <a:latin typeface="Candara" pitchFamily="34" charset="0"/>
+              </a:rPr>
+              <a:t>Flujo de actividades</a:t>
+            </a:r>
+          </a:p>
           <a:p>
             <a:pPr algn="ctr"/>
             <a:r>
@@ -21624,7 +22209,7 @@
       </p:grpSpPr>
       <p:sp>
         <p:nvSpPr>
-          <p:cNvPr id="22529" name="2 Título"/>
+          <p:cNvPr id="20481" name="2 Título"/>
           <p:cNvSpPr>
             <a:spLocks noGrp="1"/>
           </p:cNvSpPr>
@@ -21671,7 +22256,7 @@
       </p:sp>
       <p:pic>
         <p:nvPicPr>
-          <p:cNvPr id="22530" name="Picture 3"/>
+          <p:cNvPr id="20482" name="Picture 3"/>
           <p:cNvPicPr>
             <a:picLocks noChangeAspect="1" noChangeArrowheads="1"/>
           </p:cNvPicPr>
@@ -21708,6 +22293,13 @@
   <p:clrMapOvr>
     <a:masterClrMapping/>
   </p:clrMapOvr>
+  <p:timing>
+    <p:tnLst>
+      <p:par>
+        <p:cTn id="1" dur="indefinite" restart="never" nodeType="tmRoot"/>
+      </p:par>
+    </p:tnLst>
+  </p:timing>
 </p:sld>
 </file>
 
@@ -21827,7 +22419,7 @@
       </p:graphicFrame>
       <p:pic>
         <p:nvPicPr>
-          <p:cNvPr id="24588" name="Picture 3"/>
+          <p:cNvPr id="21516" name="Picture 3"/>
           <p:cNvPicPr>
             <a:picLocks noChangeAspect="1" noChangeArrowheads="1"/>
           </p:cNvPicPr>
@@ -21859,7 +22451,7 @@
       </p:pic>
       <p:pic>
         <p:nvPicPr>
-          <p:cNvPr id="24589" name="Picture 4"/>
+          <p:cNvPr id="21517" name="Picture 4"/>
           <p:cNvPicPr>
             <a:picLocks noChangeAspect="1" noChangeArrowheads="1"/>
           </p:cNvPicPr>
@@ -21891,7 +22483,7 @@
       </p:pic>
       <p:pic>
         <p:nvPicPr>
-          <p:cNvPr id="24590" name="Picture 5"/>
+          <p:cNvPr id="21518" name="Picture 5"/>
           <p:cNvPicPr>
             <a:picLocks noChangeAspect="1" noChangeArrowheads="1"/>
           </p:cNvPicPr>
@@ -21937,6 +22529,231 @@
 </file>
 
 <file path=ppt/slides/slide8.xml><?xml version="1.0" encoding="utf-8"?>
+<p:sld xmlns:a="http://schemas.openxmlformats.org/drawingml/2006/main" xmlns:r="http://schemas.openxmlformats.org/officeDocument/2006/relationships" xmlns:p="http://schemas.openxmlformats.org/presentationml/2006/main">
+  <p:cSld>
+    <p:spTree>
+      <p:nvGrpSpPr>
+        <p:cNvPr id="1" name=""/>
+        <p:cNvGrpSpPr/>
+        <p:nvPr/>
+      </p:nvGrpSpPr>
+      <p:grpSpPr>
+        <a:xfrm>
+          <a:off x="0" y="0"/>
+          <a:ext cx="0" cy="0"/>
+          <a:chOff x="0" y="0"/>
+          <a:chExt cx="0" cy="0"/>
+        </a:xfrm>
+      </p:grpSpPr>
+      <p:sp>
+        <p:nvSpPr>
+          <p:cNvPr id="3" name="2 Título"/>
+          <p:cNvSpPr>
+            <a:spLocks noGrp="1"/>
+          </p:cNvSpPr>
+          <p:nvPr>
+            <p:ph type="title" idx="4294967295"/>
+          </p:nvPr>
+        </p:nvSpPr>
+        <p:spPr/>
+        <p:txBody>
+          <a:bodyPr rtlCol="0">
+            <a:normAutofit fontScale="90000"/>
+          </a:bodyPr>
+          <a:lstStyle/>
+          <a:p>
+            <a:pPr eaLnBrk="1" fontAlgn="auto" hangingPunct="1">
+              <a:spcAft>
+                <a:spcPts val="0"/>
+              </a:spcAft>
+              <a:defRPr/>
+            </a:pPr>
+            <a:r>
+              <a:rPr lang="es-PE" dirty="0" smtClean="0"/>
+              <a:t>Modelo de Casos de uso del negocio</a:t>
+            </a:r>
+            <a:br>
+              <a:rPr lang="es-PE" dirty="0" smtClean="0"/>
+            </a:br>
+            <a:r>
+              <a:rPr lang="es-PE" dirty="0" smtClean="0"/>
+              <a:t>(Contratos de Clientes)</a:t>
+            </a:r>
+            <a:endParaRPr lang="es-PE" dirty="0"/>
+          </a:p>
+        </p:txBody>
+      </p:sp>
+      <p:graphicFrame>
+        <p:nvGraphicFramePr>
+          <p:cNvPr id="4" name="3 Tabla"/>
+          <p:cNvGraphicFramePr>
+            <a:graphicFrameLocks noGrp="1"/>
+          </p:cNvGraphicFramePr>
+          <p:nvPr/>
+        </p:nvGraphicFramePr>
+        <p:xfrm>
+          <a:off x="323850" y="2708275"/>
+          <a:ext cx="8496300" cy="3600450"/>
+        </p:xfrm>
+        <a:graphic>
+          <a:graphicData uri="http://schemas.openxmlformats.org/drawingml/2006/table">
+            <a:tbl>
+              <a:tblPr firstRow="1" bandRow="1">
+                <a:tableStyleId>{BC89EF96-8CEA-46FF-86C4-4CE0E7609802}</a:tableStyleId>
+              </a:tblPr>
+              <a:tblGrid>
+                <a:gridCol w="2664296"/>
+                <a:gridCol w="2952328"/>
+                <a:gridCol w="2880321"/>
+              </a:tblGrid>
+              <a:tr h="3600400">
+                <a:tc>
+                  <a:txBody>
+                    <a:bodyPr/>
+                    <a:lstStyle/>
+                    <a:p>
+                      <a:endParaRPr lang="es-ES" dirty="0"/>
+                    </a:p>
+                  </a:txBody>
+                  <a:tcPr/>
+                </a:tc>
+                <a:tc>
+                  <a:txBody>
+                    <a:bodyPr/>
+                    <a:lstStyle/>
+                    <a:p>
+                      <a:endParaRPr lang="es-ES" dirty="0"/>
+                    </a:p>
+                  </a:txBody>
+                  <a:tcPr/>
+                </a:tc>
+                <a:tc>
+                  <a:txBody>
+                    <a:bodyPr/>
+                    <a:lstStyle/>
+                    <a:p>
+                      <a:endParaRPr lang="es-ES" dirty="0"/>
+                    </a:p>
+                  </a:txBody>
+                  <a:tcPr/>
+                </a:tc>
+              </a:tr>
+            </a:tbl>
+          </a:graphicData>
+        </a:graphic>
+      </p:graphicFrame>
+      <p:pic>
+        <p:nvPicPr>
+          <p:cNvPr id="44045" name="Picture 3"/>
+          <p:cNvPicPr>
+            <a:picLocks noChangeAspect="1" noChangeArrowheads="1"/>
+          </p:cNvPicPr>
+          <p:nvPr/>
+        </p:nvPicPr>
+        <p:blipFill>
+          <a:blip r:embed="rId2"/>
+          <a:srcRect/>
+          <a:stretch>
+            <a:fillRect/>
+          </a:stretch>
+        </p:blipFill>
+        <p:spPr bwMode="auto">
+          <a:xfrm>
+            <a:off x="704850" y="3644900"/>
+            <a:ext cx="1995488" cy="1655763"/>
+          </a:xfrm>
+          <a:prstGeom prst="rect">
+            <a:avLst/>
+          </a:prstGeom>
+          <a:noFill/>
+          <a:ln w="9525">
+            <a:noFill/>
+            <a:miter lim="800000"/>
+            <a:headEnd/>
+            <a:tailEnd/>
+          </a:ln>
+        </p:spPr>
+      </p:pic>
+      <p:pic>
+        <p:nvPicPr>
+          <p:cNvPr id="44046" name="Picture 4"/>
+          <p:cNvPicPr>
+            <a:picLocks noChangeAspect="1" noChangeArrowheads="1"/>
+          </p:cNvPicPr>
+          <p:nvPr/>
+        </p:nvPicPr>
+        <p:blipFill>
+          <a:blip r:embed="rId3"/>
+          <a:srcRect/>
+          <a:stretch>
+            <a:fillRect/>
+          </a:stretch>
+        </p:blipFill>
+        <p:spPr bwMode="auto">
+          <a:xfrm>
+            <a:off x="3348038" y="3706813"/>
+            <a:ext cx="2243137" cy="1666875"/>
+          </a:xfrm>
+          <a:prstGeom prst="rect">
+            <a:avLst/>
+          </a:prstGeom>
+          <a:noFill/>
+          <a:ln w="9525">
+            <a:noFill/>
+            <a:miter lim="800000"/>
+            <a:headEnd/>
+            <a:tailEnd/>
+          </a:ln>
+        </p:spPr>
+      </p:pic>
+      <p:pic>
+        <p:nvPicPr>
+          <p:cNvPr id="44047" name="Picture 5"/>
+          <p:cNvPicPr>
+            <a:picLocks noChangeAspect="1" noChangeArrowheads="1"/>
+          </p:cNvPicPr>
+          <p:nvPr/>
+        </p:nvPicPr>
+        <p:blipFill>
+          <a:blip r:embed="rId4"/>
+          <a:srcRect/>
+          <a:stretch>
+            <a:fillRect/>
+          </a:stretch>
+        </p:blipFill>
+        <p:spPr bwMode="auto">
+          <a:xfrm>
+            <a:off x="6372225" y="3644900"/>
+            <a:ext cx="2138363" cy="1728788"/>
+          </a:xfrm>
+          <a:prstGeom prst="rect">
+            <a:avLst/>
+          </a:prstGeom>
+          <a:noFill/>
+          <a:ln w="9525">
+            <a:noFill/>
+            <a:miter lim="800000"/>
+            <a:headEnd/>
+            <a:tailEnd/>
+          </a:ln>
+        </p:spPr>
+      </p:pic>
+    </p:spTree>
+  </p:cSld>
+  <p:clrMapOvr>
+    <a:masterClrMapping/>
+  </p:clrMapOvr>
+  <p:timing>
+    <p:tnLst>
+      <p:par>
+        <p:cTn id="1" dur="indefinite" restart="never" nodeType="tmRoot"/>
+      </p:par>
+    </p:tnLst>
+  </p:timing>
+</p:sld>
+</file>
+
+<file path=ppt/slides/slide9.xml><?xml version="1.0" encoding="utf-8"?>
 <p:sld xmlns:a="http://schemas.openxmlformats.org/drawingml/2006/main" xmlns:r="http://schemas.openxmlformats.org/officeDocument/2006/relationships" xmlns:p="http://schemas.openxmlformats.org/presentationml/2006/main">
   <p:cSld>
     <p:spTree>
@@ -22012,570 +22829,6 @@
           </a:p>
         </p:txBody>
       </p:sp>
-    </p:spTree>
-  </p:cSld>
-  <p:clrMapOvr>
-    <a:masterClrMapping/>
-  </p:clrMapOvr>
-</p:sld>
-</file>
-
-<file path=ppt/slides/slide9.xml><?xml version="1.0" encoding="utf-8"?>
-<p:sld xmlns:a="http://schemas.openxmlformats.org/drawingml/2006/main" xmlns:r="http://schemas.openxmlformats.org/officeDocument/2006/relationships" xmlns:p="http://schemas.openxmlformats.org/presentationml/2006/main">
-  <p:cSld>
-    <p:spTree>
-      <p:nvGrpSpPr>
-        <p:cNvPr id="1" name=""/>
-        <p:cNvGrpSpPr/>
-        <p:nvPr/>
-      </p:nvGrpSpPr>
-      <p:grpSpPr>
-        <a:xfrm>
-          <a:off x="0" y="0"/>
-          <a:ext cx="0" cy="0"/>
-          <a:chOff x="0" y="0"/>
-          <a:chExt cx="0" cy="0"/>
-        </a:xfrm>
-      </p:grpSpPr>
-      <p:sp>
-        <p:nvSpPr>
-          <p:cNvPr id="3" name="2 Título"/>
-          <p:cNvSpPr>
-            <a:spLocks noGrp="1"/>
-          </p:cNvSpPr>
-          <p:nvPr>
-            <p:ph type="title"/>
-          </p:nvPr>
-        </p:nvSpPr>
-        <p:spPr/>
-        <p:txBody>
-          <a:bodyPr rtlCol="0">
-            <a:normAutofit fontScale="90000"/>
-          </a:bodyPr>
-          <a:lstStyle/>
-          <a:p>
-            <a:pPr eaLnBrk="1" fontAlgn="auto" hangingPunct="1">
-              <a:spcAft>
-                <a:spcPts val="0"/>
-              </a:spcAft>
-              <a:defRPr/>
-            </a:pPr>
-            <a:r>
-              <a:rPr lang="es-PE" dirty="0"/>
-              <a:t>ESPECIFICACION DE REGLAS DE </a:t>
-            </a:r>
-            <a:r>
-              <a:rPr lang="es-PE" dirty="0" smtClean="0"/>
-              <a:t>NEGOCIO (Contratos de Clientes)</a:t>
-            </a:r>
-            <a:endParaRPr lang="es-PE" dirty="0"/>
-          </a:p>
-        </p:txBody>
-      </p:sp>
-      <p:graphicFrame>
-        <p:nvGraphicFramePr>
-          <p:cNvPr id="6" name="5 Tabla"/>
-          <p:cNvGraphicFramePr>
-            <a:graphicFrameLocks noGrp="1"/>
-          </p:cNvGraphicFramePr>
-          <p:nvPr/>
-        </p:nvGraphicFramePr>
-        <p:xfrm>
-          <a:off x="323850" y="2349500"/>
-          <a:ext cx="8496300" cy="4248150"/>
-        </p:xfrm>
-        <a:graphic>
-          <a:graphicData uri="http://schemas.openxmlformats.org/drawingml/2006/table">
-            <a:tbl>
-              <a:tblPr firstRow="1" bandRow="1">
-                <a:tableStyleId>{BC89EF96-8CEA-46FF-86C4-4CE0E7609802}</a:tableStyleId>
-              </a:tblPr>
-              <a:tblGrid>
-                <a:gridCol w="2448272"/>
-                <a:gridCol w="6048672"/>
-              </a:tblGrid>
-              <a:tr h="1152128">
-                <a:tc>
-                  <a:txBody>
-                    <a:bodyPr/>
-                    <a:lstStyle/>
-                    <a:p>
-                      <a:endParaRPr lang="es-ES" dirty="0"/>
-                    </a:p>
-                  </a:txBody>
-                  <a:tcPr/>
-                </a:tc>
-                <a:tc>
-                  <a:txBody>
-                    <a:bodyPr/>
-                    <a:lstStyle/>
-                    <a:p>
-                      <a:pPr marL="0" marR="0" indent="0" algn="just" defTabSz="914400" rtl="0" eaLnBrk="1" fontAlgn="auto" latinLnBrk="0" hangingPunct="1">
-                        <a:lnSpc>
-                          <a:spcPct val="100000"/>
-                        </a:lnSpc>
-                        <a:spcBef>
-                          <a:spcPts val="0"/>
-                        </a:spcBef>
-                        <a:spcAft>
-                          <a:spcPts val="0"/>
-                        </a:spcAft>
-                        <a:buClrTx/>
-                        <a:buSzTx/>
-                        <a:buFontTx/>
-                        <a:buNone/>
-                        <a:tabLst/>
-                        <a:defRPr/>
-                      </a:pPr>
-                      <a:r>
-                        <a:rPr lang="es-PE" sz="1800" b="0" kern="1200" dirty="0" smtClean="0">
-                          <a:solidFill>
-                            <a:schemeClr val="tx1"/>
-                          </a:solidFill>
-                          <a:latin typeface="+mn-lt"/>
-                          <a:ea typeface="+mn-ea"/>
-                          <a:cs typeface="+mn-cs"/>
-                        </a:rPr>
-                        <a:t>Se definen los siguientes Tipos de Clientes: </a:t>
-                      </a:r>
-                    </a:p>
-                    <a:p>
-                      <a:pPr marL="0" marR="0" indent="0" algn="just" defTabSz="914400" rtl="0" eaLnBrk="1" fontAlgn="auto" latinLnBrk="0" hangingPunct="1">
-                        <a:lnSpc>
-                          <a:spcPct val="100000"/>
-                        </a:lnSpc>
-                        <a:spcBef>
-                          <a:spcPts val="0"/>
-                        </a:spcBef>
-                        <a:spcAft>
-                          <a:spcPts val="0"/>
-                        </a:spcAft>
-                        <a:buClrTx/>
-                        <a:buSzTx/>
-                        <a:buFontTx/>
-                        <a:buNone/>
-                        <a:tabLst/>
-                        <a:defRPr/>
-                      </a:pPr>
-                      <a:r>
-                        <a:rPr lang="es-PE" sz="1800" b="0" kern="1200" dirty="0" smtClean="0">
-                          <a:solidFill>
-                            <a:schemeClr val="tx1"/>
-                          </a:solidFill>
-                          <a:latin typeface="+mn-lt"/>
-                          <a:ea typeface="+mn-ea"/>
-                          <a:cs typeface="+mn-cs"/>
-                        </a:rPr>
-                        <a:t>potenciales, prospectos, primerizos, esporádicos, habituales, leales, desgastados e inactivos/desertores.</a:t>
-                      </a:r>
-                      <a:endParaRPr lang="es-ES" sz="1800" b="0" kern="1200" dirty="0" smtClean="0">
-                        <a:solidFill>
-                          <a:schemeClr val="tx1"/>
-                        </a:solidFill>
-                        <a:latin typeface="+mn-lt"/>
-                        <a:ea typeface="+mn-ea"/>
-                        <a:cs typeface="+mn-cs"/>
-                      </a:endParaRPr>
-                    </a:p>
-                    <a:p>
-                      <a:endParaRPr lang="es-ES" dirty="0"/>
-                    </a:p>
-                  </a:txBody>
-                  <a:tcPr/>
-                </a:tc>
-              </a:tr>
-              <a:tr h="1494205">
-                <a:tc>
-                  <a:txBody>
-                    <a:bodyPr/>
-                    <a:lstStyle/>
-                    <a:p>
-                      <a:endParaRPr lang="es-ES" dirty="0"/>
-                    </a:p>
-                  </a:txBody>
-                  <a:tcPr/>
-                </a:tc>
-                <a:tc>
-                  <a:txBody>
-                    <a:bodyPr/>
-                    <a:lstStyle/>
-                    <a:p>
-                      <a:pPr marL="0" marR="0" indent="0" algn="l" defTabSz="914400" rtl="0" eaLnBrk="1" fontAlgn="auto" latinLnBrk="0" hangingPunct="1">
-                        <a:lnSpc>
-                          <a:spcPct val="100000"/>
-                        </a:lnSpc>
-                        <a:spcBef>
-                          <a:spcPts val="0"/>
-                        </a:spcBef>
-                        <a:spcAft>
-                          <a:spcPts val="0"/>
-                        </a:spcAft>
-                        <a:buClrTx/>
-                        <a:buSzTx/>
-                        <a:buFontTx/>
-                        <a:buNone/>
-                        <a:tabLst/>
-                        <a:defRPr/>
-                      </a:pPr>
-                      <a:r>
-                        <a:rPr lang="es-PE" sz="1800" i="1" kern="1200" dirty="0" smtClean="0">
-                          <a:solidFill>
-                            <a:schemeClr val="tx1"/>
-                          </a:solidFill>
-                          <a:latin typeface="+mn-lt"/>
-                          <a:ea typeface="+mn-ea"/>
-                          <a:cs typeface="+mn-cs"/>
-                        </a:rPr>
-                        <a:t>Se definen las siguientes líneas para los Tipos de Servicio:  </a:t>
-                      </a:r>
-                      <a:r>
-                        <a:rPr lang="es-PE" sz="1800" i="1" kern="1200" dirty="0" err="1" smtClean="0">
-                          <a:solidFill>
-                            <a:schemeClr val="tx1"/>
-                          </a:solidFill>
-                          <a:latin typeface="+mn-lt"/>
-                          <a:ea typeface="+mn-ea"/>
-                          <a:cs typeface="+mn-cs"/>
-                        </a:rPr>
-                        <a:t>Outsourcing</a:t>
-                      </a:r>
-                      <a:r>
-                        <a:rPr lang="es-PE" sz="1800" i="1" kern="1200" dirty="0" smtClean="0">
-                          <a:solidFill>
-                            <a:schemeClr val="tx1"/>
-                          </a:solidFill>
-                          <a:latin typeface="+mn-lt"/>
-                          <a:ea typeface="+mn-ea"/>
-                          <a:cs typeface="+mn-cs"/>
-                        </a:rPr>
-                        <a:t> de Tecnología, Software </a:t>
-                      </a:r>
-                      <a:r>
-                        <a:rPr lang="es-PE" sz="1800" i="1" kern="1200" dirty="0" err="1" smtClean="0">
-                          <a:solidFill>
-                            <a:schemeClr val="tx1"/>
-                          </a:solidFill>
-                          <a:latin typeface="+mn-lt"/>
-                          <a:ea typeface="+mn-ea"/>
-                          <a:cs typeface="+mn-cs"/>
-                        </a:rPr>
-                        <a:t>factory</a:t>
-                      </a:r>
-                      <a:r>
-                        <a:rPr lang="es-PE" sz="1800" i="1" kern="1200" dirty="0" smtClean="0">
-                          <a:solidFill>
-                            <a:schemeClr val="tx1"/>
-                          </a:solidFill>
-                          <a:latin typeface="+mn-lt"/>
-                          <a:ea typeface="+mn-ea"/>
-                          <a:cs typeface="+mn-cs"/>
-                        </a:rPr>
-                        <a:t>, </a:t>
-                      </a:r>
-                      <a:r>
-                        <a:rPr lang="es-PE" sz="1800" i="1" kern="1200" dirty="0" err="1" smtClean="0">
-                          <a:solidFill>
-                            <a:schemeClr val="tx1"/>
-                          </a:solidFill>
-                          <a:latin typeface="+mn-lt"/>
-                          <a:ea typeface="+mn-ea"/>
-                          <a:cs typeface="+mn-cs"/>
-                        </a:rPr>
-                        <a:t>Outsourcing</a:t>
-                      </a:r>
-                      <a:r>
-                        <a:rPr lang="es-PE" sz="1800" i="1" kern="1200" dirty="0" smtClean="0">
-                          <a:solidFill>
-                            <a:schemeClr val="tx1"/>
-                          </a:solidFill>
-                          <a:latin typeface="+mn-lt"/>
-                          <a:ea typeface="+mn-ea"/>
-                          <a:cs typeface="+mn-cs"/>
-                        </a:rPr>
-                        <a:t> de procesos, </a:t>
-                      </a:r>
-                      <a:r>
-                        <a:rPr lang="es-PE" sz="1800" i="1" kern="1200" dirty="0" err="1" smtClean="0">
-                          <a:solidFill>
-                            <a:schemeClr val="tx1"/>
-                          </a:solidFill>
-                          <a:latin typeface="+mn-lt"/>
-                          <a:ea typeface="+mn-ea"/>
-                          <a:cs typeface="+mn-cs"/>
-                        </a:rPr>
-                        <a:t>Outsourcing</a:t>
-                      </a:r>
-                      <a:r>
-                        <a:rPr lang="es-PE" sz="1800" i="1" kern="1200" dirty="0" smtClean="0">
-                          <a:solidFill>
-                            <a:schemeClr val="tx1"/>
-                          </a:solidFill>
-                          <a:latin typeface="+mn-lt"/>
-                          <a:ea typeface="+mn-ea"/>
-                          <a:cs typeface="+mn-cs"/>
-                        </a:rPr>
-                        <a:t> de servicios de aplicación y Servicios de tecnología</a:t>
-                      </a:r>
-                      <a:endParaRPr lang="es-ES" sz="1800" i="1" kern="1200" dirty="0" smtClean="0">
-                        <a:solidFill>
-                          <a:schemeClr val="tx1"/>
-                        </a:solidFill>
-                        <a:latin typeface="+mn-lt"/>
-                        <a:ea typeface="+mn-ea"/>
-                        <a:cs typeface="+mn-cs"/>
-                      </a:endParaRPr>
-                    </a:p>
-                  </a:txBody>
-                  <a:tcPr/>
-                </a:tc>
-              </a:tr>
-              <a:tr h="1565547">
-                <a:tc>
-                  <a:txBody>
-                    <a:bodyPr/>
-                    <a:lstStyle/>
-                    <a:p>
-                      <a:endParaRPr lang="es-ES" dirty="0"/>
-                    </a:p>
-                  </a:txBody>
-                  <a:tcPr/>
-                </a:tc>
-                <a:tc>
-                  <a:txBody>
-                    <a:bodyPr/>
-                    <a:lstStyle/>
-                    <a:p>
-                      <a:pPr marL="0" marR="0" indent="0" algn="l" defTabSz="914400" rtl="0" eaLnBrk="1" fontAlgn="auto" latinLnBrk="0" hangingPunct="1">
-                        <a:lnSpc>
-                          <a:spcPct val="100000"/>
-                        </a:lnSpc>
-                        <a:spcBef>
-                          <a:spcPts val="0"/>
-                        </a:spcBef>
-                        <a:spcAft>
-                          <a:spcPts val="0"/>
-                        </a:spcAft>
-                        <a:buClrTx/>
-                        <a:buSzTx/>
-                        <a:buFontTx/>
-                        <a:buNone/>
-                        <a:tabLst/>
-                        <a:defRPr/>
-                      </a:pPr>
-                      <a:r>
-                        <a:rPr lang="es-PE" sz="1800" i="1" kern="1200" dirty="0" smtClean="0">
-                          <a:solidFill>
-                            <a:schemeClr val="tx1"/>
-                          </a:solidFill>
-                          <a:latin typeface="+mn-lt"/>
-                          <a:ea typeface="+mn-ea"/>
-                          <a:cs typeface="+mn-cs"/>
-                        </a:rPr>
-                        <a:t>Se definen las siguientes Categorías de Tipos de Cliente: </a:t>
-                      </a:r>
-                    </a:p>
-                    <a:p>
-                      <a:pPr marL="0" marR="0" indent="0" algn="l" defTabSz="914400" rtl="0" eaLnBrk="1" fontAlgn="auto" latinLnBrk="0" hangingPunct="1">
-                        <a:lnSpc>
-                          <a:spcPct val="100000"/>
-                        </a:lnSpc>
-                        <a:spcBef>
-                          <a:spcPts val="0"/>
-                        </a:spcBef>
-                        <a:spcAft>
-                          <a:spcPts val="0"/>
-                        </a:spcAft>
-                        <a:buClrTx/>
-                        <a:buSzTx/>
-                        <a:buFontTx/>
-                        <a:buNone/>
-                        <a:tabLst/>
-                        <a:defRPr/>
-                      </a:pPr>
-                      <a:r>
-                        <a:rPr lang="es-PE" sz="1800" i="1" kern="1200" dirty="0" smtClean="0">
-                          <a:solidFill>
-                            <a:schemeClr val="tx1"/>
-                          </a:solidFill>
-                          <a:latin typeface="+mn-lt"/>
-                          <a:ea typeface="+mn-ea"/>
-                          <a:cs typeface="+mn-cs"/>
-                        </a:rPr>
-                        <a:t>1= Industria y Comercio, </a:t>
-                      </a:r>
-                    </a:p>
-                    <a:p>
-                      <a:pPr marL="0" marR="0" indent="0" algn="l" defTabSz="914400" rtl="0" eaLnBrk="1" fontAlgn="auto" latinLnBrk="0" hangingPunct="1">
-                        <a:lnSpc>
-                          <a:spcPct val="100000"/>
-                        </a:lnSpc>
-                        <a:spcBef>
-                          <a:spcPts val="0"/>
-                        </a:spcBef>
-                        <a:spcAft>
-                          <a:spcPts val="0"/>
-                        </a:spcAft>
-                        <a:buClrTx/>
-                        <a:buSzTx/>
-                        <a:buFontTx/>
-                        <a:buNone/>
-                        <a:tabLst/>
-                        <a:defRPr/>
-                      </a:pPr>
-                      <a:r>
-                        <a:rPr lang="es-PE" sz="1800" i="1" kern="1200" dirty="0" smtClean="0">
-                          <a:solidFill>
-                            <a:schemeClr val="tx1"/>
-                          </a:solidFill>
-                          <a:latin typeface="+mn-lt"/>
-                          <a:ea typeface="+mn-ea"/>
-                          <a:cs typeface="+mn-cs"/>
-                        </a:rPr>
-                        <a:t>2= Banca y Finanzas y </a:t>
-                      </a:r>
-                    </a:p>
-                    <a:p>
-                      <a:pPr marL="0" marR="0" indent="0" algn="l" defTabSz="914400" rtl="0" eaLnBrk="1" fontAlgn="auto" latinLnBrk="0" hangingPunct="1">
-                        <a:lnSpc>
-                          <a:spcPct val="100000"/>
-                        </a:lnSpc>
-                        <a:spcBef>
-                          <a:spcPts val="0"/>
-                        </a:spcBef>
-                        <a:spcAft>
-                          <a:spcPts val="0"/>
-                        </a:spcAft>
-                        <a:buClrTx/>
-                        <a:buSzTx/>
-                        <a:buFontTx/>
-                        <a:buNone/>
-                        <a:tabLst/>
-                        <a:defRPr/>
-                      </a:pPr>
-                      <a:r>
-                        <a:rPr lang="es-PE" sz="1800" i="1" kern="1200" dirty="0" smtClean="0">
-                          <a:solidFill>
-                            <a:schemeClr val="tx1"/>
-                          </a:solidFill>
-                          <a:latin typeface="+mn-lt"/>
-                          <a:ea typeface="+mn-ea"/>
-                          <a:cs typeface="+mn-cs"/>
-                        </a:rPr>
-                        <a:t>3=  Gobierno y Servicios públicos</a:t>
-                      </a:r>
-                      <a:endParaRPr lang="es-ES" sz="1800" i="1" kern="1200" dirty="0" smtClean="0">
-                        <a:solidFill>
-                          <a:schemeClr val="tx1"/>
-                        </a:solidFill>
-                        <a:latin typeface="+mn-lt"/>
-                        <a:ea typeface="+mn-ea"/>
-                        <a:cs typeface="+mn-cs"/>
-                      </a:endParaRPr>
-                    </a:p>
-                  </a:txBody>
-                  <a:tcPr/>
-                </a:tc>
-              </a:tr>
-            </a:tbl>
-          </a:graphicData>
-        </a:graphic>
-      </p:graphicFrame>
-      <p:pic>
-        <p:nvPicPr>
-          <p:cNvPr id="26640" name="Picture 3"/>
-          <p:cNvPicPr>
-            <a:picLocks noChangeAspect="1" noChangeArrowheads="1"/>
-          </p:cNvPicPr>
-          <p:nvPr/>
-        </p:nvPicPr>
-        <p:blipFill>
-          <a:blip r:embed="rId3"/>
-          <a:srcRect/>
-          <a:stretch>
-            <a:fillRect/>
-          </a:stretch>
-        </p:blipFill>
-        <p:spPr bwMode="auto">
-          <a:xfrm>
-            <a:off x="395288" y="2420938"/>
-            <a:ext cx="2368550" cy="1201737"/>
-          </a:xfrm>
-          <a:prstGeom prst="rect">
-            <a:avLst/>
-          </a:prstGeom>
-          <a:noFill/>
-          <a:ln w="9525">
-            <a:noFill/>
-            <a:miter lim="800000"/>
-            <a:headEnd/>
-            <a:tailEnd/>
-          </a:ln>
-        </p:spPr>
-      </p:pic>
-      <p:pic>
-        <p:nvPicPr>
-          <p:cNvPr id="26641" name="Picture 4"/>
-          <p:cNvPicPr>
-            <a:picLocks noChangeAspect="1" noChangeArrowheads="1"/>
-          </p:cNvPicPr>
-          <p:nvPr/>
-        </p:nvPicPr>
-        <p:blipFill>
-          <a:blip r:embed="rId4"/>
-          <a:srcRect/>
-          <a:stretch>
-            <a:fillRect/>
-          </a:stretch>
-        </p:blipFill>
-        <p:spPr bwMode="auto">
-          <a:xfrm>
-            <a:off x="395288" y="3789363"/>
-            <a:ext cx="2373312" cy="1201737"/>
-          </a:xfrm>
-          <a:prstGeom prst="rect">
-            <a:avLst/>
-          </a:prstGeom>
-          <a:noFill/>
-          <a:ln w="9525">
-            <a:noFill/>
-            <a:miter lim="800000"/>
-            <a:headEnd/>
-            <a:tailEnd/>
-          </a:ln>
-        </p:spPr>
-      </p:pic>
-      <p:pic>
-        <p:nvPicPr>
-          <p:cNvPr id="26642" name="Picture 5"/>
-          <p:cNvPicPr>
-            <a:picLocks noChangeAspect="1" noChangeArrowheads="1"/>
-          </p:cNvPicPr>
-          <p:nvPr/>
-        </p:nvPicPr>
-        <p:blipFill>
-          <a:blip r:embed="rId5"/>
-          <a:srcRect/>
-          <a:stretch>
-            <a:fillRect/>
-          </a:stretch>
-        </p:blipFill>
-        <p:spPr bwMode="auto">
-          <a:xfrm>
-            <a:off x="395288" y="5300663"/>
-            <a:ext cx="2524125" cy="1201737"/>
-          </a:xfrm>
-          <a:prstGeom prst="rect">
-            <a:avLst/>
-          </a:prstGeom>
-          <a:noFill/>
-          <a:ln w="9525">
-            <a:noFill/>
-            <a:miter lim="800000"/>
-            <a:headEnd/>
-            <a:tailEnd/>
-          </a:ln>
-        </p:spPr>
-      </p:pic>
     </p:spTree>
   </p:cSld>
   <p:clrMapOvr>

--- a/trunk/ tsp01-contratos-clientes/ITERACION01_TP01/S01/PPT SI01-02 MCUN.pptx
+++ b/trunk/ tsp01-contratos-clientes/ITERACION01_TP01/S01/PPT SI01-02 MCUN.pptx
@@ -263,7 +263,7 @@
             <a:pPr>
               <a:defRPr/>
             </a:pPr>
-            <a:fld id="{24C1F741-63F3-435E-8DE5-9333596CB0C3}" type="datetimeFigureOut">
+            <a:fld id="{456ED114-D417-41FC-985B-AF9354B22C85}" type="datetimeFigureOut">
               <a:rPr lang="es-PE"/>
               <a:pPr>
                 <a:defRPr/>
@@ -450,7 +450,7 @@
             <a:pPr>
               <a:defRPr/>
             </a:pPr>
-            <a:fld id="{0785E15D-9805-4237-98A2-84D27FB1E2DF}" type="slidenum">
+            <a:fld id="{028CE3F0-B2F8-4923-80A4-7A1E7B3DC467}" type="slidenum">
               <a:rPr lang="es-PE"/>
               <a:pPr>
                 <a:defRPr/>
@@ -608,7 +608,7 @@
       </p:grpSpPr>
       <p:sp>
         <p:nvSpPr>
-          <p:cNvPr id="24577" name="1 Marcador de imagen de diapositiva"/>
+          <p:cNvPr id="25601" name="1 Marcador de imagen de diapositiva"/>
           <p:cNvSpPr>
             <a:spLocks noGrp="1" noRot="1" noChangeAspect="1"/>
           </p:cNvSpPr>
@@ -630,7 +630,7 @@
       </p:sp>
       <p:sp>
         <p:nvSpPr>
-          <p:cNvPr id="24578" name="2 Marcador de notas"/>
+          <p:cNvPr id="25602" name="2 Marcador de notas"/>
           <p:cNvSpPr>
             <a:spLocks noGrp="1"/>
           </p:cNvSpPr>
@@ -692,7 +692,7 @@
               </a:spcAft>
               <a:defRPr/>
             </a:pPr>
-            <a:fld id="{73258E3B-5810-41BB-B3C9-E20D0A068E60}" type="slidenum">
+            <a:fld id="{4994961B-EF0B-4809-8AB3-BEA0AAEF6340}" type="slidenum">
               <a:rPr lang="es-PE"/>
               <a:pPr fontAlgn="base">
                 <a:spcBef>
@@ -2577,7 +2577,7 @@
             <a:pPr>
               <a:defRPr/>
             </a:pPr>
-            <a:fld id="{2DFD0771-F353-4320-89AC-56FE29EE8CBA}" type="datetimeFigureOut">
+            <a:fld id="{FBFD163C-4C46-4811-973C-540760946A72}" type="datetimeFigureOut">
               <a:rPr lang="es-PE"/>
               <a:pPr>
                 <a:defRPr/>
@@ -2636,7 +2636,7 @@
             <a:pPr>
               <a:defRPr/>
             </a:pPr>
-            <a:fld id="{DFA4340E-5427-4561-91EC-19877B2129E0}" type="slidenum">
+            <a:fld id="{92B8F35E-64C7-4B9C-A37F-6089894AF1D4}" type="slidenum">
               <a:rPr lang="es-PE"/>
               <a:pPr>
                 <a:defRPr/>
@@ -2785,7 +2785,7 @@
             <a:pPr>
               <a:defRPr/>
             </a:pPr>
-            <a:fld id="{049EF6A2-EF3C-4667-8D87-7F3B3F327328}" type="datetimeFigureOut">
+            <a:fld id="{12929911-89DE-405F-BF31-CC5E92F2889C}" type="datetimeFigureOut">
               <a:rPr lang="es-PE"/>
               <a:pPr>
                 <a:defRPr/>
@@ -2844,7 +2844,7 @@
             <a:pPr>
               <a:defRPr/>
             </a:pPr>
-            <a:fld id="{63618788-2461-4FDB-BE28-F578E4513690}" type="slidenum">
+            <a:fld id="{C0AD5301-693C-42DF-97D0-5805DBE9AF44}" type="slidenum">
               <a:rPr lang="es-PE"/>
               <a:pPr>
                 <a:defRPr/>
@@ -4690,7 +4690,7 @@
             <a:pPr>
               <a:defRPr/>
             </a:pPr>
-            <a:fld id="{9AD16DC5-7B32-40FB-99DD-0E63AEAF73C0}" type="datetimeFigureOut">
+            <a:fld id="{4650DD3F-43C4-4E22-9742-4CB6D3F12842}" type="datetimeFigureOut">
               <a:rPr lang="es-PE"/>
               <a:pPr>
                 <a:defRPr/>
@@ -4749,7 +4749,7 @@
             <a:pPr>
               <a:defRPr/>
             </a:pPr>
-            <a:fld id="{61125E97-0738-4D58-AE1E-91F9ADE59FA1}" type="slidenum">
+            <a:fld id="{C7DF28B9-7D21-488D-9CB6-3B7F4F16096F}" type="slidenum">
               <a:rPr lang="es-PE"/>
               <a:pPr>
                 <a:defRPr/>
@@ -4807,7 +4807,7 @@
             <a:pPr>
               <a:defRPr/>
             </a:pPr>
-            <a:fld id="{34DC4C02-B5B6-4B8E-B202-F788C641EB0C}" type="datetimeFigureOut">
+            <a:fld id="{4EB262E6-5D80-4B54-8AD1-684E6D8F1208}" type="datetimeFigureOut">
               <a:rPr lang="es-PE"/>
               <a:pPr>
                 <a:defRPr/>
@@ -4866,7 +4866,7 @@
             <a:pPr>
               <a:defRPr/>
             </a:pPr>
-            <a:fld id="{BEB433E9-ABAD-4C87-A679-FE3E1992D92E}" type="slidenum">
+            <a:fld id="{377BE636-CF93-4083-8A69-0B019B83F3B6}" type="slidenum">
               <a:rPr lang="es-PE"/>
               <a:pPr>
                 <a:defRPr/>
@@ -4999,7 +4999,7 @@
             <a:pPr>
               <a:defRPr/>
             </a:pPr>
-            <a:fld id="{D0200978-2FA8-4FE7-B48E-BBCF7C0BC3A7}" type="datetimeFigureOut">
+            <a:fld id="{6530305B-51FD-4C2C-A319-5217A699A88E}" type="datetimeFigureOut">
               <a:rPr lang="es-PE"/>
               <a:pPr>
                 <a:defRPr/>
@@ -5058,7 +5058,7 @@
             <a:pPr>
               <a:defRPr/>
             </a:pPr>
-            <a:fld id="{B5FD0993-E1E2-4E69-B605-63F95D2B59EC}" type="slidenum">
+            <a:fld id="{D28505D9-F0E7-49EA-BEC8-ACF9DF9D44AE}" type="slidenum">
               <a:rPr lang="es-PE"/>
               <a:pPr>
                 <a:defRPr/>
@@ -6916,7 +6916,7 @@
             <a:pPr>
               <a:defRPr/>
             </a:pPr>
-            <a:fld id="{0103516A-3D34-45B5-9FC3-89B9B996A7E5}" type="datetimeFigureOut">
+            <a:fld id="{38BDD32F-B037-4D66-9ED3-446420E16AA8}" type="datetimeFigureOut">
               <a:rPr lang="es-PE"/>
               <a:pPr>
                 <a:defRPr/>
@@ -6975,7 +6975,7 @@
             <a:pPr>
               <a:defRPr/>
             </a:pPr>
-            <a:fld id="{A652437D-25AB-4371-A9AB-9B8641425AA5}" type="slidenum">
+            <a:fld id="{74AED8B1-2FD4-4AA3-87C5-A518765B8C08}" type="slidenum">
               <a:rPr lang="es-PE"/>
               <a:pPr>
                 <a:defRPr/>
@@ -7170,7 +7170,7 @@
             <a:pPr>
               <a:defRPr/>
             </a:pPr>
-            <a:fld id="{90E15A10-0E0B-4312-BD5F-92381B1B1879}" type="datetimeFigureOut">
+            <a:fld id="{F3381266-948F-41E3-9D8A-34647F0F0436}" type="datetimeFigureOut">
               <a:rPr lang="es-PE"/>
               <a:pPr>
                 <a:defRPr/>
@@ -7229,7 +7229,7 @@
             <a:pPr>
               <a:defRPr/>
             </a:pPr>
-            <a:fld id="{D5D72B67-8374-4931-8975-77603D482998}" type="slidenum">
+            <a:fld id="{5FFDC097-F6D4-4343-AFEE-C784C71A0648}" type="slidenum">
               <a:rPr lang="es-PE"/>
               <a:pPr>
                 <a:defRPr/>
@@ -7624,7 +7624,7 @@
             <a:pPr>
               <a:defRPr/>
             </a:pPr>
-            <a:fld id="{EF88A772-2724-4277-B0A9-DC1CD9237FA6}" type="datetimeFigureOut">
+            <a:fld id="{B34C2585-6E0E-4D80-AFE2-31213D66BF86}" type="datetimeFigureOut">
               <a:rPr lang="es-PE"/>
               <a:pPr>
                 <a:defRPr/>
@@ -7683,7 +7683,7 @@
             <a:pPr>
               <a:defRPr/>
             </a:pPr>
-            <a:fld id="{8E4147EE-4C49-46C2-82F4-F9390DCBEE9B}" type="slidenum">
+            <a:fld id="{3FDF08FB-0FC3-4CB0-8734-BD69EE5D4A82}" type="slidenum">
               <a:rPr lang="es-PE"/>
               <a:pPr>
                 <a:defRPr/>
@@ -7764,7 +7764,7 @@
             <a:pPr>
               <a:defRPr/>
             </a:pPr>
-            <a:fld id="{A7850D9F-F7E3-4DAD-9835-FFB09AC4D502}" type="datetimeFigureOut">
+            <a:fld id="{334CBAB3-DB52-412E-AD6D-256A6D6F9F96}" type="datetimeFigureOut">
               <a:rPr lang="es-PE"/>
               <a:pPr>
                 <a:defRPr/>
@@ -7823,7 +7823,7 @@
             <a:pPr>
               <a:defRPr/>
             </a:pPr>
-            <a:fld id="{F47EC454-FDA5-45D4-ADEC-C198B2F3A926}" type="slidenum">
+            <a:fld id="{D94FDB3A-0499-4895-851B-740F7FF3E4B9}" type="slidenum">
               <a:rPr lang="es-PE"/>
               <a:pPr>
                 <a:defRPr/>
@@ -9545,7 +9545,7 @@
             <a:pPr>
               <a:defRPr/>
             </a:pPr>
-            <a:fld id="{28D2C84D-CF02-488C-9A4A-0749447C734F}" type="datetimeFigureOut">
+            <a:fld id="{C636F41D-150B-4920-AD2C-5615757EC300}" type="datetimeFigureOut">
               <a:rPr lang="es-PE"/>
               <a:pPr>
                 <a:defRPr/>
@@ -9604,7 +9604,7 @@
             <a:pPr>
               <a:defRPr/>
             </a:pPr>
-            <a:fld id="{06AA17F6-9144-4747-9347-0E499FABA071}" type="slidenum">
+            <a:fld id="{72DD07DB-F179-456E-9B67-E6E0B46C34B3}" type="slidenum">
               <a:rPr lang="es-PE"/>
               <a:pPr>
                 <a:defRPr/>
@@ -11561,7 +11561,7 @@
             <a:pPr>
               <a:defRPr/>
             </a:pPr>
-            <a:fld id="{964A002E-4FDB-40BA-9DD9-4A80B2ABC851}" type="datetimeFigureOut">
+            <a:fld id="{3960CF48-84AA-4628-BC21-D22C7F5FFCB7}" type="datetimeFigureOut">
               <a:rPr lang="es-PE"/>
               <a:pPr>
                 <a:defRPr/>
@@ -11620,7 +11620,7 @@
             <a:pPr>
               <a:defRPr/>
             </a:pPr>
-            <a:fld id="{2F230A42-3CCC-43E2-BA47-DCBCA690217B}" type="slidenum">
+            <a:fld id="{11BC8C3E-B25E-48BC-9554-D633292CFC1E}" type="slidenum">
               <a:rPr lang="es-PE"/>
               <a:pPr>
                 <a:defRPr/>
@@ -13548,7 +13548,7 @@
             <a:pPr>
               <a:defRPr/>
             </a:pPr>
-            <a:fld id="{0AA2117E-3DFA-413E-957B-713B20D8D1DA}" type="datetimeFigureOut">
+            <a:fld id="{2373264B-7068-4C8C-8E3B-CEF88B46F993}" type="datetimeFigureOut">
               <a:rPr lang="es-PE"/>
               <a:pPr>
                 <a:defRPr/>
@@ -13607,7 +13607,7 @@
             <a:pPr>
               <a:defRPr/>
             </a:pPr>
-            <a:fld id="{DFAF69B8-8F32-4BAB-987A-F8EFFFB75CE8}" type="slidenum">
+            <a:fld id="{94D25133-E2D1-4A7A-9876-50EE255CC97B}" type="slidenum">
               <a:rPr lang="es-PE"/>
               <a:pPr>
                 <a:defRPr/>
@@ -15396,7 +15396,7 @@
             <a:pPr>
               <a:defRPr/>
             </a:pPr>
-            <a:fld id="{53A7B836-B3D1-4E37-AE10-593337D7112C}" type="datetimeFigureOut">
+            <a:fld id="{C7539D2A-EF09-415F-8FDE-EEEFBBB11E33}" type="datetimeFigureOut">
               <a:rPr lang="es-PE"/>
               <a:pPr>
                 <a:defRPr/>
@@ -15493,7 +15493,7 @@
             <a:pPr>
               <a:defRPr/>
             </a:pPr>
-            <a:fld id="{5AF500AC-285D-450B-9114-9DE2052495A9}" type="slidenum">
+            <a:fld id="{CF45CBC6-2B0A-427F-9123-E644D5E83B0C}" type="slidenum">
               <a:rPr lang="es-PE"/>
               <a:pPr>
                 <a:defRPr/>
@@ -16260,7 +16260,7 @@
       </p:sp>
       <p:graphicFrame>
         <p:nvGraphicFramePr>
-          <p:cNvPr id="6" name="5 Tabla"/>
+          <p:cNvPr id="24596" name="Group 20"/>
           <p:cNvGraphicFramePr>
             <a:graphicFrameLocks noGrp="1"/>
           </p:cNvGraphicFramePr>
@@ -16268,398 +16268,693 @@
         </p:nvGraphicFramePr>
         <p:xfrm>
           <a:off x="323850" y="2349500"/>
-          <a:ext cx="8496300" cy="4248150"/>
+          <a:ext cx="8496300" cy="4211638"/>
         </p:xfrm>
         <a:graphic>
           <a:graphicData uri="http://schemas.openxmlformats.org/drawingml/2006/table">
             <a:tbl>
-              <a:tblPr firstRow="1" bandRow="1">
-                <a:tableStyleId>{BC89EF96-8CEA-46FF-86C4-4CE0E7609802}</a:tableStyleId>
-              </a:tblPr>
+              <a:tblPr/>
               <a:tblGrid>
-                <a:gridCol w="2448272"/>
-                <a:gridCol w="6048672"/>
+                <a:gridCol w="2447925"/>
+                <a:gridCol w="6048375"/>
               </a:tblGrid>
-              <a:tr h="1152128">
+              <a:tr h="1152525">
                 <a:tc>
                   <a:txBody>
                     <a:bodyPr/>
                     <a:lstStyle/>
                     <a:p>
-                      <a:endParaRPr lang="es-ES" dirty="0"/>
+                      <a:pPr marL="0" marR="0" lvl="0" indent="0" algn="l" defTabSz="914400" rtl="0" eaLnBrk="1" fontAlgn="base" latinLnBrk="0" hangingPunct="1">
+                        <a:lnSpc>
+                          <a:spcPct val="100000"/>
+                        </a:lnSpc>
+                        <a:spcBef>
+                          <a:spcPct val="0"/>
+                        </a:spcBef>
+                        <a:spcAft>
+                          <a:spcPct val="0"/>
+                        </a:spcAft>
+                        <a:buClrTx/>
+                        <a:buSzTx/>
+                        <a:buFontTx/>
+                        <a:buNone/>
+                        <a:tabLst/>
+                      </a:pPr>
+                      <a:endParaRPr kumimoji="0" lang="es-ES" sz="1800" b="1" i="0" u="none" strike="noStrike" cap="none" normalizeH="0" baseline="0" smtClean="0">
+                        <a:ln>
+                          <a:noFill/>
+                        </a:ln>
+                        <a:solidFill>
+                          <a:schemeClr val="tx1"/>
+                        </a:solidFill>
+                        <a:effectLst/>
+                        <a:latin typeface="Candara" pitchFamily="34" charset="0"/>
+                      </a:endParaRPr>
                     </a:p>
                   </a:txBody>
-                  <a:tcPr/>
+                  <a:tcPr horzOverflow="overflow">
+                    <a:lnL w="12700" cap="flat" cmpd="sng" algn="ctr">
+                      <a:solidFill>
+                        <a:schemeClr val="accent1"/>
+                      </a:solidFill>
+                      <a:prstDash val="solid"/>
+                      <a:round/>
+                      <a:headEnd type="none" w="med" len="med"/>
+                      <a:tailEnd type="none" w="med" len="med"/>
+                    </a:lnL>
+                    <a:lnR w="12700" cap="flat" cmpd="sng" algn="ctr">
+                      <a:solidFill>
+                        <a:schemeClr val="accent1"/>
+                      </a:solidFill>
+                      <a:prstDash val="solid"/>
+                      <a:round/>
+                      <a:headEnd type="none" w="med" len="med"/>
+                      <a:tailEnd type="none" w="med" len="med"/>
+                    </a:lnR>
+                    <a:lnT w="12700" cap="flat" cmpd="sng" algn="ctr">
+                      <a:solidFill>
+                        <a:schemeClr val="accent1"/>
+                      </a:solidFill>
+                      <a:prstDash val="solid"/>
+                      <a:round/>
+                      <a:headEnd type="none" w="med" len="med"/>
+                      <a:tailEnd type="none" w="med" len="med"/>
+                    </a:lnT>
+                    <a:lnB w="25400" cap="flat" cmpd="sng" algn="ctr">
+                      <a:solidFill>
+                        <a:schemeClr val="accent1"/>
+                      </a:solidFill>
+                      <a:prstDash val="solid"/>
+                      <a:round/>
+                      <a:headEnd type="none" w="med" len="med"/>
+                      <a:tailEnd type="none" w="med" len="med"/>
+                    </a:lnB>
+                    <a:lnTlToBr>
+                      <a:noFill/>
+                    </a:lnTlToBr>
+                    <a:lnBlToTr>
+                      <a:noFill/>
+                    </a:lnBlToTr>
+                    <a:noFill/>
+                  </a:tcPr>
                 </a:tc>
                 <a:tc>
                   <a:txBody>
                     <a:bodyPr/>
                     <a:lstStyle/>
                     <a:p>
-                      <a:pPr marL="0" marR="0" indent="0" algn="just" defTabSz="914400" rtl="0" eaLnBrk="1" fontAlgn="auto" latinLnBrk="0" hangingPunct="1">
+                      <a:pPr marL="0" marR="0" lvl="0" indent="0" algn="just" defTabSz="914400" rtl="0" eaLnBrk="1" fontAlgn="base" latinLnBrk="0" hangingPunct="1">
                         <a:lnSpc>
                           <a:spcPct val="100000"/>
                         </a:lnSpc>
                         <a:spcBef>
-                          <a:spcPts val="0"/>
+                          <a:spcPct val="0"/>
                         </a:spcBef>
                         <a:spcAft>
-                          <a:spcPts val="0"/>
+                          <a:spcPct val="0"/>
                         </a:spcAft>
                         <a:buClrTx/>
                         <a:buSzTx/>
                         <a:buFontTx/>
                         <a:buNone/>
                         <a:tabLst/>
-                        <a:defRPr/>
                       </a:pPr>
                       <a:r>
-                        <a:rPr lang="es-PE" sz="1800" b="0" kern="1200" dirty="0" smtClean="0">
+                        <a:rPr kumimoji="0" lang="es-PE" sz="1800" b="0" i="0" u="none" strike="noStrike" cap="none" normalizeH="0" baseline="0" smtClean="0">
+                          <a:ln>
+                            <a:noFill/>
+                          </a:ln>
                           <a:solidFill>
                             <a:schemeClr val="tx1"/>
                           </a:solidFill>
-                          <a:latin typeface="+mn-lt"/>
-                          <a:ea typeface="+mn-ea"/>
-                          <a:cs typeface="+mn-cs"/>
+                          <a:effectLst/>
+                          <a:latin typeface="Candara" pitchFamily="34" charset="0"/>
                         </a:rPr>
                         <a:t>Se definen los siguientes Tipos de Clientes: </a:t>
                       </a:r>
                     </a:p>
                     <a:p>
-                      <a:pPr marL="0" marR="0" indent="0" algn="just" defTabSz="914400" rtl="0" eaLnBrk="1" fontAlgn="auto" latinLnBrk="0" hangingPunct="1">
+                      <a:pPr marL="0" marR="0" lvl="0" indent="0" algn="just" defTabSz="914400" rtl="0" eaLnBrk="1" fontAlgn="base" latinLnBrk="0" hangingPunct="1">
                         <a:lnSpc>
                           <a:spcPct val="100000"/>
                         </a:lnSpc>
                         <a:spcBef>
-                          <a:spcPts val="0"/>
+                          <a:spcPct val="0"/>
                         </a:spcBef>
                         <a:spcAft>
-                          <a:spcPts val="0"/>
+                          <a:spcPct val="0"/>
                         </a:spcAft>
                         <a:buClrTx/>
                         <a:buSzTx/>
                         <a:buFontTx/>
                         <a:buNone/>
                         <a:tabLst/>
-                        <a:defRPr/>
                       </a:pPr>
                       <a:r>
-                        <a:rPr lang="es-PE" sz="1800" b="0" kern="1200" dirty="0" smtClean="0">
+                        <a:rPr kumimoji="0" lang="es-PE" sz="1800" b="0" i="0" u="none" strike="noStrike" cap="none" normalizeH="0" baseline="0" smtClean="0">
+                          <a:ln>
+                            <a:noFill/>
+                          </a:ln>
                           <a:solidFill>
                             <a:schemeClr val="tx1"/>
                           </a:solidFill>
-                          <a:latin typeface="+mn-lt"/>
-                          <a:ea typeface="+mn-ea"/>
-                          <a:cs typeface="+mn-cs"/>
+                          <a:effectLst/>
+                          <a:latin typeface="Candara" pitchFamily="34" charset="0"/>
                         </a:rPr>
-                        <a:t>potenciales, prospectos, primerizos, esporádicos, habituales, leales, desgastados e inactivos/desertores.</a:t>
+                        <a:t>Privados y Públicos</a:t>
                       </a:r>
-                      <a:endParaRPr lang="es-ES" sz="1800" b="0" kern="1200" dirty="0" smtClean="0">
+                      <a:endParaRPr kumimoji="0" lang="es-ES" sz="1800" b="0" i="0" u="none" strike="noStrike" cap="none" normalizeH="0" baseline="0" smtClean="0">
+                        <a:ln>
+                          <a:noFill/>
+                        </a:ln>
                         <a:solidFill>
                           <a:schemeClr val="tx1"/>
                         </a:solidFill>
-                        <a:latin typeface="+mn-lt"/>
-                        <a:ea typeface="+mn-ea"/>
-                        <a:cs typeface="+mn-cs"/>
+                        <a:effectLst/>
+                        <a:latin typeface="Candara" pitchFamily="34" charset="0"/>
                       </a:endParaRPr>
                     </a:p>
                     <a:p>
-                      <a:endParaRPr lang="es-ES" dirty="0"/>
+                      <a:pPr marL="0" marR="0" lvl="0" indent="0" algn="l" defTabSz="914400" rtl="0" eaLnBrk="1" fontAlgn="base" latinLnBrk="0" hangingPunct="1">
+                        <a:lnSpc>
+                          <a:spcPct val="100000"/>
+                        </a:lnSpc>
+                        <a:spcBef>
+                          <a:spcPct val="0"/>
+                        </a:spcBef>
+                        <a:spcAft>
+                          <a:spcPct val="0"/>
+                        </a:spcAft>
+                        <a:buClrTx/>
+                        <a:buSzTx/>
+                        <a:buFontTx/>
+                        <a:buNone/>
+                        <a:tabLst/>
+                      </a:pPr>
+                      <a:endParaRPr kumimoji="0" lang="es-ES" sz="1800" b="1" i="0" u="none" strike="noStrike" cap="none" normalizeH="0" baseline="0" smtClean="0">
+                        <a:ln>
+                          <a:noFill/>
+                        </a:ln>
+                        <a:solidFill>
+                          <a:schemeClr val="tx1"/>
+                        </a:solidFill>
+                        <a:effectLst/>
+                        <a:latin typeface="Candara" pitchFamily="34" charset="0"/>
+                      </a:endParaRPr>
                     </a:p>
                   </a:txBody>
-                  <a:tcPr/>
+                  <a:tcPr horzOverflow="overflow">
+                    <a:lnL w="12700" cap="flat" cmpd="sng" algn="ctr">
+                      <a:solidFill>
+                        <a:schemeClr val="accent1"/>
+                      </a:solidFill>
+                      <a:prstDash val="solid"/>
+                      <a:round/>
+                      <a:headEnd type="none" w="med" len="med"/>
+                      <a:tailEnd type="none" w="med" len="med"/>
+                    </a:lnL>
+                    <a:lnR w="12700" cap="flat" cmpd="sng" algn="ctr">
+                      <a:solidFill>
+                        <a:schemeClr val="accent1"/>
+                      </a:solidFill>
+                      <a:prstDash val="solid"/>
+                      <a:round/>
+                      <a:headEnd type="none" w="med" len="med"/>
+                      <a:tailEnd type="none" w="med" len="med"/>
+                    </a:lnR>
+                    <a:lnT w="12700" cap="flat" cmpd="sng" algn="ctr">
+                      <a:solidFill>
+                        <a:schemeClr val="accent1"/>
+                      </a:solidFill>
+                      <a:prstDash val="solid"/>
+                      <a:round/>
+                      <a:headEnd type="none" w="med" len="med"/>
+                      <a:tailEnd type="none" w="med" len="med"/>
+                    </a:lnT>
+                    <a:lnB w="25400" cap="flat" cmpd="sng" algn="ctr">
+                      <a:solidFill>
+                        <a:schemeClr val="accent1"/>
+                      </a:solidFill>
+                      <a:prstDash val="solid"/>
+                      <a:round/>
+                      <a:headEnd type="none" w="med" len="med"/>
+                      <a:tailEnd type="none" w="med" len="med"/>
+                    </a:lnB>
+                    <a:lnTlToBr>
+                      <a:noFill/>
+                    </a:lnTlToBr>
+                    <a:lnBlToTr>
+                      <a:noFill/>
+                    </a:lnBlToTr>
+                    <a:noFill/>
+                  </a:tcPr>
                 </a:tc>
               </a:tr>
-              <a:tr h="1494205">
+              <a:tr h="1493838">
                 <a:tc>
                   <a:txBody>
                     <a:bodyPr/>
                     <a:lstStyle/>
                     <a:p>
-                      <a:endParaRPr lang="es-ES" dirty="0"/>
+                      <a:pPr marL="0" marR="0" lvl="0" indent="0" algn="l" defTabSz="914400" rtl="0" eaLnBrk="1" fontAlgn="base" latinLnBrk="0" hangingPunct="1">
+                        <a:lnSpc>
+                          <a:spcPct val="100000"/>
+                        </a:lnSpc>
+                        <a:spcBef>
+                          <a:spcPct val="0"/>
+                        </a:spcBef>
+                        <a:spcAft>
+                          <a:spcPct val="0"/>
+                        </a:spcAft>
+                        <a:buClrTx/>
+                        <a:buSzTx/>
+                        <a:buFontTx/>
+                        <a:buNone/>
+                        <a:tabLst/>
+                      </a:pPr>
+                      <a:endParaRPr kumimoji="0" lang="es-ES" sz="1800" b="0" i="0" u="none" strike="noStrike" cap="none" normalizeH="0" baseline="0" smtClean="0">
+                        <a:ln>
+                          <a:noFill/>
+                        </a:ln>
+                        <a:solidFill>
+                          <a:schemeClr val="tx1"/>
+                        </a:solidFill>
+                        <a:effectLst/>
+                        <a:latin typeface="Candara" pitchFamily="34" charset="0"/>
+                      </a:endParaRPr>
                     </a:p>
                   </a:txBody>
-                  <a:tcPr/>
+                  <a:tcPr horzOverflow="overflow">
+                    <a:lnL w="12700" cap="flat" cmpd="sng" algn="ctr">
+                      <a:solidFill>
+                        <a:schemeClr val="accent1"/>
+                      </a:solidFill>
+                      <a:prstDash val="solid"/>
+                      <a:round/>
+                      <a:headEnd type="none" w="med" len="med"/>
+                      <a:tailEnd type="none" w="med" len="med"/>
+                    </a:lnL>
+                    <a:lnR w="12700" cap="flat" cmpd="sng" algn="ctr">
+                      <a:solidFill>
+                        <a:schemeClr val="accent1"/>
+                      </a:solidFill>
+                      <a:prstDash val="solid"/>
+                      <a:round/>
+                      <a:headEnd type="none" w="med" len="med"/>
+                      <a:tailEnd type="none" w="med" len="med"/>
+                    </a:lnR>
+                    <a:lnT w="25400" cap="flat" cmpd="sng" algn="ctr">
+                      <a:solidFill>
+                        <a:schemeClr val="accent1"/>
+                      </a:solidFill>
+                      <a:prstDash val="solid"/>
+                      <a:round/>
+                      <a:headEnd type="none" w="med" len="med"/>
+                      <a:tailEnd type="none" w="med" len="med"/>
+                    </a:lnT>
+                    <a:lnB w="12700" cap="flat" cmpd="sng" algn="ctr">
+                      <a:solidFill>
+                        <a:schemeClr val="accent1"/>
+                      </a:solidFill>
+                      <a:prstDash val="solid"/>
+                      <a:round/>
+                      <a:headEnd type="none" w="med" len="med"/>
+                      <a:tailEnd type="none" w="med" len="med"/>
+                    </a:lnB>
+                    <a:lnTlToBr>
+                      <a:noFill/>
+                    </a:lnTlToBr>
+                    <a:lnBlToTr>
+                      <a:noFill/>
+                    </a:lnBlToTr>
+                    <a:solidFill>
+                      <a:schemeClr val="accent1">
+                        <a:alpha val="20000"/>
+                      </a:schemeClr>
+                    </a:solidFill>
+                  </a:tcPr>
                 </a:tc>
                 <a:tc>
                   <a:txBody>
                     <a:bodyPr/>
                     <a:lstStyle/>
                     <a:p>
-                      <a:pPr marL="0" marR="0" indent="0" algn="l" defTabSz="914400" rtl="0" eaLnBrk="1" fontAlgn="auto" latinLnBrk="0" hangingPunct="1">
+                      <a:pPr marL="0" marR="0" lvl="0" indent="0" algn="l" defTabSz="914400" rtl="0" eaLnBrk="1" fontAlgn="base" latinLnBrk="0" hangingPunct="1">
                         <a:lnSpc>
                           <a:spcPct val="100000"/>
                         </a:lnSpc>
                         <a:spcBef>
-                          <a:spcPts val="0"/>
+                          <a:spcPct val="0"/>
                         </a:spcBef>
                         <a:spcAft>
-                          <a:spcPts val="0"/>
+                          <a:spcPct val="0"/>
                         </a:spcAft>
                         <a:buClrTx/>
                         <a:buSzTx/>
                         <a:buFontTx/>
                         <a:buNone/>
                         <a:tabLst/>
-                        <a:defRPr/>
                       </a:pPr>
                       <a:r>
-                        <a:rPr lang="es-PE" sz="1800" i="1" kern="1200" dirty="0" smtClean="0">
+                        <a:rPr kumimoji="0" lang="es-PE" sz="1800" b="0" i="1" u="none" strike="noStrike" cap="none" normalizeH="0" baseline="0" smtClean="0">
+                          <a:ln>
+                            <a:noFill/>
+                          </a:ln>
                           <a:solidFill>
                             <a:schemeClr val="tx1"/>
                           </a:solidFill>
-                          <a:latin typeface="+mn-lt"/>
-                          <a:ea typeface="+mn-ea"/>
-                          <a:cs typeface="+mn-cs"/>
+                          <a:effectLst/>
+                          <a:latin typeface="Candara" pitchFamily="34" charset="0"/>
                         </a:rPr>
-                        <a:t>Se definen las siguientes líneas para los Tipos de Servicio:  </a:t>
+                        <a:t>Se definen las siguientes líneas para los Tipos de Servicio:  Outsourcing de Tecnología, Software factory, Outsourcing de procesos, Outsourcing de servicios de aplicación y Servicios de tecnología</a:t>
                       </a:r>
-                      <a:r>
-                        <a:rPr lang="es-PE" sz="1800" i="1" kern="1200" dirty="0" err="1" smtClean="0">
-                          <a:solidFill>
-                            <a:schemeClr val="tx1"/>
-                          </a:solidFill>
-                          <a:latin typeface="+mn-lt"/>
-                          <a:ea typeface="+mn-ea"/>
-                          <a:cs typeface="+mn-cs"/>
-                        </a:rPr>
-                        <a:t>Outsourcing</a:t>
-                      </a:r>
-                      <a:r>
-                        <a:rPr lang="es-PE" sz="1800" i="1" kern="1200" dirty="0" smtClean="0">
-                          <a:solidFill>
-                            <a:schemeClr val="tx1"/>
-                          </a:solidFill>
-                          <a:latin typeface="+mn-lt"/>
-                          <a:ea typeface="+mn-ea"/>
-                          <a:cs typeface="+mn-cs"/>
-                        </a:rPr>
-                        <a:t> de Tecnología, Software </a:t>
-                      </a:r>
-                      <a:r>
-                        <a:rPr lang="es-PE" sz="1800" i="1" kern="1200" dirty="0" err="1" smtClean="0">
-                          <a:solidFill>
-                            <a:schemeClr val="tx1"/>
-                          </a:solidFill>
-                          <a:latin typeface="+mn-lt"/>
-                          <a:ea typeface="+mn-ea"/>
-                          <a:cs typeface="+mn-cs"/>
-                        </a:rPr>
-                        <a:t>factory</a:t>
-                      </a:r>
-                      <a:r>
-                        <a:rPr lang="es-PE" sz="1800" i="1" kern="1200" dirty="0" smtClean="0">
-                          <a:solidFill>
-                            <a:schemeClr val="tx1"/>
-                          </a:solidFill>
-                          <a:latin typeface="+mn-lt"/>
-                          <a:ea typeface="+mn-ea"/>
-                          <a:cs typeface="+mn-cs"/>
-                        </a:rPr>
-                        <a:t>, </a:t>
-                      </a:r>
-                      <a:r>
-                        <a:rPr lang="es-PE" sz="1800" i="1" kern="1200" dirty="0" err="1" smtClean="0">
-                          <a:solidFill>
-                            <a:schemeClr val="tx1"/>
-                          </a:solidFill>
-                          <a:latin typeface="+mn-lt"/>
-                          <a:ea typeface="+mn-ea"/>
-                          <a:cs typeface="+mn-cs"/>
-                        </a:rPr>
-                        <a:t>Outsourcing</a:t>
-                      </a:r>
-                      <a:r>
-                        <a:rPr lang="es-PE" sz="1800" i="1" kern="1200" dirty="0" smtClean="0">
-                          <a:solidFill>
-                            <a:schemeClr val="tx1"/>
-                          </a:solidFill>
-                          <a:latin typeface="+mn-lt"/>
-                          <a:ea typeface="+mn-ea"/>
-                          <a:cs typeface="+mn-cs"/>
-                        </a:rPr>
-                        <a:t> de procesos, </a:t>
-                      </a:r>
-                      <a:r>
-                        <a:rPr lang="es-PE" sz="1800" i="1" kern="1200" dirty="0" err="1" smtClean="0">
-                          <a:solidFill>
-                            <a:schemeClr val="tx1"/>
-                          </a:solidFill>
-                          <a:latin typeface="+mn-lt"/>
-                          <a:ea typeface="+mn-ea"/>
-                          <a:cs typeface="+mn-cs"/>
-                        </a:rPr>
-                        <a:t>Outsourcing</a:t>
-                      </a:r>
-                      <a:r>
-                        <a:rPr lang="es-PE" sz="1800" i="1" kern="1200" dirty="0" smtClean="0">
-                          <a:solidFill>
-                            <a:schemeClr val="tx1"/>
-                          </a:solidFill>
-                          <a:latin typeface="+mn-lt"/>
-                          <a:ea typeface="+mn-ea"/>
-                          <a:cs typeface="+mn-cs"/>
-                        </a:rPr>
-                        <a:t> de servicios de aplicación y Servicios de tecnología</a:t>
-                      </a:r>
-                      <a:endParaRPr lang="es-ES" sz="1800" i="1" kern="1200" dirty="0" smtClean="0">
+                      <a:endParaRPr kumimoji="0" lang="es-ES" sz="1800" b="0" i="1" u="none" strike="noStrike" cap="none" normalizeH="0" baseline="0" smtClean="0">
+                        <a:ln>
+                          <a:noFill/>
+                        </a:ln>
                         <a:solidFill>
                           <a:schemeClr val="tx1"/>
                         </a:solidFill>
-                        <a:latin typeface="+mn-lt"/>
-                        <a:ea typeface="+mn-ea"/>
-                        <a:cs typeface="+mn-cs"/>
+                        <a:effectLst/>
+                        <a:latin typeface="Candara" pitchFamily="34" charset="0"/>
                       </a:endParaRPr>
                     </a:p>
                   </a:txBody>
-                  <a:tcPr/>
+                  <a:tcPr horzOverflow="overflow">
+                    <a:lnL w="12700" cap="flat" cmpd="sng" algn="ctr">
+                      <a:solidFill>
+                        <a:schemeClr val="accent1"/>
+                      </a:solidFill>
+                      <a:prstDash val="solid"/>
+                      <a:round/>
+                      <a:headEnd type="none" w="med" len="med"/>
+                      <a:tailEnd type="none" w="med" len="med"/>
+                    </a:lnL>
+                    <a:lnR w="12700" cap="flat" cmpd="sng" algn="ctr">
+                      <a:solidFill>
+                        <a:schemeClr val="accent1"/>
+                      </a:solidFill>
+                      <a:prstDash val="solid"/>
+                      <a:round/>
+                      <a:headEnd type="none" w="med" len="med"/>
+                      <a:tailEnd type="none" w="med" len="med"/>
+                    </a:lnR>
+                    <a:lnT w="25400" cap="flat" cmpd="sng" algn="ctr">
+                      <a:solidFill>
+                        <a:schemeClr val="accent1"/>
+                      </a:solidFill>
+                      <a:prstDash val="solid"/>
+                      <a:round/>
+                      <a:headEnd type="none" w="med" len="med"/>
+                      <a:tailEnd type="none" w="med" len="med"/>
+                    </a:lnT>
+                    <a:lnB w="12700" cap="flat" cmpd="sng" algn="ctr">
+                      <a:solidFill>
+                        <a:schemeClr val="accent1"/>
+                      </a:solidFill>
+                      <a:prstDash val="solid"/>
+                      <a:round/>
+                      <a:headEnd type="none" w="med" len="med"/>
+                      <a:tailEnd type="none" w="med" len="med"/>
+                    </a:lnB>
+                    <a:lnTlToBr>
+                      <a:noFill/>
+                    </a:lnTlToBr>
+                    <a:lnBlToTr>
+                      <a:noFill/>
+                    </a:lnBlToTr>
+                    <a:solidFill>
+                      <a:schemeClr val="accent1">
+                        <a:alpha val="20000"/>
+                      </a:schemeClr>
+                    </a:solidFill>
+                  </a:tcPr>
                 </a:tc>
               </a:tr>
-              <a:tr h="1565547">
+              <a:tr h="1565275">
                 <a:tc>
                   <a:txBody>
                     <a:bodyPr/>
                     <a:lstStyle/>
                     <a:p>
-                      <a:endParaRPr lang="es-ES" dirty="0"/>
+                      <a:pPr marL="0" marR="0" lvl="0" indent="0" algn="l" defTabSz="914400" rtl="0" eaLnBrk="1" fontAlgn="base" latinLnBrk="0" hangingPunct="1">
+                        <a:lnSpc>
+                          <a:spcPct val="100000"/>
+                        </a:lnSpc>
+                        <a:spcBef>
+                          <a:spcPct val="0"/>
+                        </a:spcBef>
+                        <a:spcAft>
+                          <a:spcPct val="0"/>
+                        </a:spcAft>
+                        <a:buClrTx/>
+                        <a:buSzTx/>
+                        <a:buFontTx/>
+                        <a:buNone/>
+                        <a:tabLst/>
+                      </a:pPr>
+                      <a:endParaRPr kumimoji="0" lang="es-ES" sz="1800" b="0" i="0" u="none" strike="noStrike" cap="none" normalizeH="0" baseline="0" smtClean="0">
+                        <a:ln>
+                          <a:noFill/>
+                        </a:ln>
+                        <a:solidFill>
+                          <a:schemeClr val="tx1"/>
+                        </a:solidFill>
+                        <a:effectLst/>
+                        <a:latin typeface="Candara" pitchFamily="34" charset="0"/>
+                      </a:endParaRPr>
                     </a:p>
                   </a:txBody>
-                  <a:tcPr/>
+                  <a:tcPr horzOverflow="overflow">
+                    <a:lnL w="12700" cap="flat" cmpd="sng" algn="ctr">
+                      <a:solidFill>
+                        <a:schemeClr val="accent1"/>
+                      </a:solidFill>
+                      <a:prstDash val="solid"/>
+                      <a:round/>
+                      <a:headEnd type="none" w="med" len="med"/>
+                      <a:tailEnd type="none" w="med" len="med"/>
+                    </a:lnL>
+                    <a:lnR w="12700" cap="flat" cmpd="sng" algn="ctr">
+                      <a:solidFill>
+                        <a:schemeClr val="accent1"/>
+                      </a:solidFill>
+                      <a:prstDash val="solid"/>
+                      <a:round/>
+                      <a:headEnd type="none" w="med" len="med"/>
+                      <a:tailEnd type="none" w="med" len="med"/>
+                    </a:lnR>
+                    <a:lnT w="12700" cap="flat" cmpd="sng" algn="ctr">
+                      <a:solidFill>
+                        <a:schemeClr val="accent1"/>
+                      </a:solidFill>
+                      <a:prstDash val="solid"/>
+                      <a:round/>
+                      <a:headEnd type="none" w="med" len="med"/>
+                      <a:tailEnd type="none" w="med" len="med"/>
+                    </a:lnT>
+                    <a:lnB w="12700" cap="flat" cmpd="sng" algn="ctr">
+                      <a:solidFill>
+                        <a:schemeClr val="accent1"/>
+                      </a:solidFill>
+                      <a:prstDash val="solid"/>
+                      <a:round/>
+                      <a:headEnd type="none" w="med" len="med"/>
+                      <a:tailEnd type="none" w="med" len="med"/>
+                    </a:lnB>
+                    <a:lnTlToBr>
+                      <a:noFill/>
+                    </a:lnTlToBr>
+                    <a:lnBlToTr>
+                      <a:noFill/>
+                    </a:lnBlToTr>
+                    <a:noFill/>
+                  </a:tcPr>
                 </a:tc>
                 <a:tc>
                   <a:txBody>
                     <a:bodyPr/>
                     <a:lstStyle/>
                     <a:p>
-                      <a:pPr marL="0" marR="0" indent="0" algn="l" defTabSz="914400" rtl="0" eaLnBrk="1" fontAlgn="auto" latinLnBrk="0" hangingPunct="1">
+                      <a:pPr marL="0" marR="0" lvl="0" indent="0" algn="l" defTabSz="914400" rtl="0" eaLnBrk="1" fontAlgn="base" latinLnBrk="0" hangingPunct="1">
                         <a:lnSpc>
                           <a:spcPct val="100000"/>
                         </a:lnSpc>
                         <a:spcBef>
-                          <a:spcPts val="0"/>
+                          <a:spcPct val="0"/>
                         </a:spcBef>
                         <a:spcAft>
-                          <a:spcPts val="0"/>
+                          <a:spcPct val="0"/>
                         </a:spcAft>
                         <a:buClrTx/>
                         <a:buSzTx/>
                         <a:buFontTx/>
                         <a:buNone/>
                         <a:tabLst/>
-                        <a:defRPr/>
                       </a:pPr>
                       <a:r>
-                        <a:rPr lang="es-PE" sz="1800" i="1" kern="1200" dirty="0" smtClean="0">
+                        <a:rPr kumimoji="0" lang="es-PE" sz="1800" b="0" i="1" u="none" strike="noStrike" cap="none" normalizeH="0" baseline="0" smtClean="0">
+                          <a:ln>
+                            <a:noFill/>
+                          </a:ln>
                           <a:solidFill>
                             <a:schemeClr val="tx1"/>
                           </a:solidFill>
-                          <a:latin typeface="+mn-lt"/>
-                          <a:ea typeface="+mn-ea"/>
-                          <a:cs typeface="+mn-cs"/>
+                          <a:effectLst/>
+                          <a:latin typeface="Candara" pitchFamily="34" charset="0"/>
                         </a:rPr>
                         <a:t>Se definen las siguientes Categorías de Tipos de Cliente: </a:t>
                       </a:r>
                     </a:p>
                     <a:p>
-                      <a:pPr marL="0" marR="0" indent="0" algn="l" defTabSz="914400" rtl="0" eaLnBrk="1" fontAlgn="auto" latinLnBrk="0" hangingPunct="1">
+                      <a:pPr marL="0" marR="0" lvl="0" indent="0" algn="l" defTabSz="914400" rtl="0" eaLnBrk="1" fontAlgn="base" latinLnBrk="0" hangingPunct="1">
                         <a:lnSpc>
                           <a:spcPct val="100000"/>
                         </a:lnSpc>
                         <a:spcBef>
-                          <a:spcPts val="0"/>
+                          <a:spcPct val="0"/>
                         </a:spcBef>
                         <a:spcAft>
-                          <a:spcPts val="0"/>
+                          <a:spcPct val="0"/>
                         </a:spcAft>
                         <a:buClrTx/>
                         <a:buSzTx/>
                         <a:buFontTx/>
                         <a:buNone/>
                         <a:tabLst/>
-                        <a:defRPr/>
                       </a:pPr>
                       <a:r>
-                        <a:rPr lang="es-PE" sz="1800" i="1" kern="1200" dirty="0" smtClean="0">
+                        <a:rPr kumimoji="0" lang="es-PE" sz="1800" b="0" i="1" u="none" strike="noStrike" cap="none" normalizeH="0" baseline="0" smtClean="0">
+                          <a:ln>
+                            <a:noFill/>
+                          </a:ln>
                           <a:solidFill>
                             <a:schemeClr val="tx1"/>
                           </a:solidFill>
-                          <a:latin typeface="+mn-lt"/>
-                          <a:ea typeface="+mn-ea"/>
-                          <a:cs typeface="+mn-cs"/>
+                          <a:effectLst/>
+                          <a:latin typeface="Candara" pitchFamily="34" charset="0"/>
                         </a:rPr>
                         <a:t>1= Industria y Comercio, </a:t>
                       </a:r>
                     </a:p>
                     <a:p>
-                      <a:pPr marL="0" marR="0" indent="0" algn="l" defTabSz="914400" rtl="0" eaLnBrk="1" fontAlgn="auto" latinLnBrk="0" hangingPunct="1">
+                      <a:pPr marL="0" marR="0" lvl="0" indent="0" algn="l" defTabSz="914400" rtl="0" eaLnBrk="1" fontAlgn="base" latinLnBrk="0" hangingPunct="1">
                         <a:lnSpc>
                           <a:spcPct val="100000"/>
                         </a:lnSpc>
                         <a:spcBef>
-                          <a:spcPts val="0"/>
+                          <a:spcPct val="0"/>
                         </a:spcBef>
                         <a:spcAft>
-                          <a:spcPts val="0"/>
+                          <a:spcPct val="0"/>
                         </a:spcAft>
                         <a:buClrTx/>
                         <a:buSzTx/>
                         <a:buFontTx/>
                         <a:buNone/>
                         <a:tabLst/>
-                        <a:defRPr/>
                       </a:pPr>
                       <a:r>
-                        <a:rPr lang="es-PE" sz="1800" i="1" kern="1200" dirty="0" smtClean="0">
+                        <a:rPr kumimoji="0" lang="es-PE" sz="1800" b="0" i="1" u="none" strike="noStrike" cap="none" normalizeH="0" baseline="0" smtClean="0">
+                          <a:ln>
+                            <a:noFill/>
+                          </a:ln>
                           <a:solidFill>
                             <a:schemeClr val="tx1"/>
                           </a:solidFill>
-                          <a:latin typeface="+mn-lt"/>
-                          <a:ea typeface="+mn-ea"/>
-                          <a:cs typeface="+mn-cs"/>
+                          <a:effectLst/>
+                          <a:latin typeface="Candara" pitchFamily="34" charset="0"/>
                         </a:rPr>
                         <a:t>2= Banca y Finanzas y </a:t>
                       </a:r>
                     </a:p>
                     <a:p>
-                      <a:pPr marL="0" marR="0" indent="0" algn="l" defTabSz="914400" rtl="0" eaLnBrk="1" fontAlgn="auto" latinLnBrk="0" hangingPunct="1">
+                      <a:pPr marL="0" marR="0" lvl="0" indent="0" algn="l" defTabSz="914400" rtl="0" eaLnBrk="1" fontAlgn="base" latinLnBrk="0" hangingPunct="1">
                         <a:lnSpc>
                           <a:spcPct val="100000"/>
                         </a:lnSpc>
                         <a:spcBef>
-                          <a:spcPts val="0"/>
+                          <a:spcPct val="0"/>
                         </a:spcBef>
                         <a:spcAft>
-                          <a:spcPts val="0"/>
+                          <a:spcPct val="0"/>
                         </a:spcAft>
                         <a:buClrTx/>
                         <a:buSzTx/>
                         <a:buFontTx/>
                         <a:buNone/>
                         <a:tabLst/>
-                        <a:defRPr/>
                       </a:pPr>
                       <a:r>
-                        <a:rPr lang="es-PE" sz="1800" i="1" kern="1200" dirty="0" smtClean="0">
+                        <a:rPr kumimoji="0" lang="es-PE" sz="1800" b="0" i="1" u="none" strike="noStrike" cap="none" normalizeH="0" baseline="0" smtClean="0">
+                          <a:ln>
+                            <a:noFill/>
+                          </a:ln>
                           <a:solidFill>
                             <a:schemeClr val="tx1"/>
                           </a:solidFill>
-                          <a:latin typeface="+mn-lt"/>
-                          <a:ea typeface="+mn-ea"/>
-                          <a:cs typeface="+mn-cs"/>
+                          <a:effectLst/>
+                          <a:latin typeface="Candara" pitchFamily="34" charset="0"/>
                         </a:rPr>
                         <a:t>3=  Gobierno y Servicios públicos</a:t>
                       </a:r>
-                      <a:endParaRPr lang="es-ES" sz="1800" i="1" kern="1200" dirty="0" smtClean="0">
+                      <a:endParaRPr kumimoji="0" lang="es-ES" sz="1800" b="0" i="1" u="none" strike="noStrike" cap="none" normalizeH="0" baseline="0" smtClean="0">
+                        <a:ln>
+                          <a:noFill/>
+                        </a:ln>
                         <a:solidFill>
                           <a:schemeClr val="tx1"/>
                         </a:solidFill>
-                        <a:latin typeface="+mn-lt"/>
-                        <a:ea typeface="+mn-ea"/>
-                        <a:cs typeface="+mn-cs"/>
+                        <a:effectLst/>
+                        <a:latin typeface="Candara" pitchFamily="34" charset="0"/>
                       </a:endParaRPr>
                     </a:p>
                   </a:txBody>
-                  <a:tcPr/>
+                  <a:tcPr horzOverflow="overflow">
+                    <a:lnL w="12700" cap="flat" cmpd="sng" algn="ctr">
+                      <a:solidFill>
+                        <a:schemeClr val="accent1"/>
+                      </a:solidFill>
+                      <a:prstDash val="solid"/>
+                      <a:round/>
+                      <a:headEnd type="none" w="med" len="med"/>
+                      <a:tailEnd type="none" w="med" len="med"/>
+                    </a:lnL>
+                    <a:lnR w="12700" cap="flat" cmpd="sng" algn="ctr">
+                      <a:solidFill>
+                        <a:schemeClr val="accent1"/>
+                      </a:solidFill>
+                      <a:prstDash val="solid"/>
+                      <a:round/>
+                      <a:headEnd type="none" w="med" len="med"/>
+                      <a:tailEnd type="none" w="med" len="med"/>
+                    </a:lnR>
+                    <a:lnT w="12700" cap="flat" cmpd="sng" algn="ctr">
+                      <a:solidFill>
+                        <a:schemeClr val="accent1"/>
+                      </a:solidFill>
+                      <a:prstDash val="solid"/>
+                      <a:round/>
+                      <a:headEnd type="none" w="med" len="med"/>
+                      <a:tailEnd type="none" w="med" len="med"/>
+                    </a:lnT>
+                    <a:lnB w="12700" cap="flat" cmpd="sng" algn="ctr">
+                      <a:solidFill>
+                        <a:schemeClr val="accent1"/>
+                      </a:solidFill>
+                      <a:prstDash val="solid"/>
+                      <a:round/>
+                      <a:headEnd type="none" w="med" len="med"/>
+                      <a:tailEnd type="none" w="med" len="med"/>
+                    </a:lnB>
+                    <a:lnTlToBr>
+                      <a:noFill/>
+                    </a:lnTlToBr>
+                    <a:lnBlToTr>
+                      <a:noFill/>
+                    </a:lnBlToTr>
+                    <a:noFill/>
+                  </a:tcPr>
                 </a:tc>
               </a:tr>
             </a:tbl>
@@ -16668,7 +16963,7 @@
       </p:graphicFrame>
       <p:pic>
         <p:nvPicPr>
-          <p:cNvPr id="23568" name="Picture 3"/>
+          <p:cNvPr id="24592" name="Picture 3"/>
           <p:cNvPicPr>
             <a:picLocks noChangeAspect="1" noChangeArrowheads="1"/>
           </p:cNvPicPr>
@@ -16700,7 +16995,7 @@
       </p:pic>
       <p:pic>
         <p:nvPicPr>
-          <p:cNvPr id="23569" name="Picture 4"/>
+          <p:cNvPr id="24593" name="Picture 4"/>
           <p:cNvPicPr>
             <a:picLocks noChangeAspect="1" noChangeArrowheads="1"/>
           </p:cNvPicPr>
@@ -16732,7 +17027,7 @@
       </p:pic>
       <p:pic>
         <p:nvPicPr>
-          <p:cNvPr id="23570" name="Picture 5"/>
+          <p:cNvPr id="24594" name="Picture 5"/>
           <p:cNvPicPr>
             <a:picLocks noChangeAspect="1" noChangeArrowheads="1"/>
           </p:cNvPicPr>
@@ -17386,7 +17681,7 @@
       </p:graphicFrame>
       <p:pic>
         <p:nvPicPr>
-          <p:cNvPr id="25610" name="Picture 2"/>
+          <p:cNvPr id="26634" name="Picture 2"/>
           <p:cNvPicPr>
             <a:picLocks noChangeAspect="1" noChangeArrowheads="1"/>
           </p:cNvPicPr>
@@ -17569,7 +17864,7 @@
       </p:graphicFrame>
       <p:pic>
         <p:nvPicPr>
-          <p:cNvPr id="26634" name="Picture 2"/>
+          <p:cNvPr id="27658" name="Picture 2"/>
           <p:cNvPicPr>
             <a:picLocks noChangeAspect="1" noChangeArrowheads="1"/>
           </p:cNvPicPr>
@@ -17601,7 +17896,7 @@
       </p:pic>
       <p:pic>
         <p:nvPicPr>
-          <p:cNvPr id="26635" name="Picture 2"/>
+          <p:cNvPr id="27659" name="Picture 2"/>
           <p:cNvPicPr>
             <a:picLocks noChangeAspect="1" noChangeArrowheads="1"/>
           </p:cNvPicPr>
@@ -17784,7 +18079,7 @@
       </p:graphicFrame>
       <p:pic>
         <p:nvPicPr>
-          <p:cNvPr id="27658" name="6 Imagen" descr="http://www.cdti.es/recursos/img/Servicios/Red_PIDi/Tutorial_BMP/Incentivos_N1/9323_1311312010115741.JPG"/>
+          <p:cNvPr id="28682" name="6 Imagen" descr="http://www.cdti.es/recursos/img/Servicios/Red_PIDi/Tutorial_BMP/Incentivos_N1/9323_1311312010115741.JPG"/>
           <p:cNvPicPr>
             <a:picLocks noChangeAspect="1" noChangeArrowheads="1"/>
           </p:cNvPicPr>
@@ -17816,7 +18111,7 @@
       </p:pic>
       <p:pic>
         <p:nvPicPr>
-          <p:cNvPr id="27659" name="Picture 2"/>
+          <p:cNvPr id="28683" name="Picture 2"/>
           <p:cNvPicPr>
             <a:picLocks noChangeAspect="1" noChangeArrowheads="1"/>
           </p:cNvPicPr>
@@ -18545,7 +18840,7 @@
       </p:graphicFrame>
       <p:pic>
         <p:nvPicPr>
-          <p:cNvPr id="28688" name="Picture 3"/>
+          <p:cNvPr id="29712" name="Picture 3"/>
           <p:cNvPicPr>
             <a:picLocks noChangeAspect="1" noChangeArrowheads="1"/>
           </p:cNvPicPr>
@@ -18577,7 +18872,7 @@
       </p:pic>
       <p:pic>
         <p:nvPicPr>
-          <p:cNvPr id="28689" name="Picture 4"/>
+          <p:cNvPr id="29713" name="Picture 4"/>
           <p:cNvPicPr>
             <a:picLocks noChangeAspect="1" noChangeArrowheads="1"/>
           </p:cNvPicPr>
@@ -18609,7 +18904,7 @@
       </p:pic>
       <p:pic>
         <p:nvPicPr>
-          <p:cNvPr id="28690" name="Picture 20"/>
+          <p:cNvPr id="29714" name="Picture 20"/>
           <p:cNvPicPr>
             <a:picLocks noChangeAspect="1" noChangeArrowheads="1"/>
           </p:cNvPicPr>
@@ -19382,7 +19677,7 @@
       </p:graphicFrame>
       <p:pic>
         <p:nvPicPr>
-          <p:cNvPr id="29712" name="Picture 4"/>
+          <p:cNvPr id="30736" name="Picture 4"/>
           <p:cNvPicPr>
             <a:picLocks noChangeAspect="1" noChangeArrowheads="1"/>
           </p:cNvPicPr>
@@ -19414,7 +19709,7 @@
       </p:pic>
       <p:pic>
         <p:nvPicPr>
-          <p:cNvPr id="29713" name="Picture 22"/>
+          <p:cNvPr id="30737" name="Picture 22"/>
           <p:cNvPicPr>
             <a:picLocks noChangeAspect="1" noChangeArrowheads="1"/>
           </p:cNvPicPr>
@@ -19446,7 +19741,7 @@
       </p:pic>
       <p:pic>
         <p:nvPicPr>
-          <p:cNvPr id="29714" name="Picture 23"/>
+          <p:cNvPr id="30738" name="Picture 23"/>
           <p:cNvPicPr>
             <a:picLocks noChangeAspect="1" noChangeArrowheads="1"/>
           </p:cNvPicPr>
@@ -20291,7 +20586,7 @@
       </p:graphicFrame>
       <p:pic>
         <p:nvPicPr>
-          <p:cNvPr id="30736" name="Picture 20"/>
+          <p:cNvPr id="31760" name="Picture 20"/>
           <p:cNvPicPr>
             <a:picLocks noChangeAspect="1" noChangeArrowheads="1"/>
           </p:cNvPicPr>
@@ -20323,7 +20618,7 @@
       </p:pic>
       <p:pic>
         <p:nvPicPr>
-          <p:cNvPr id="30737" name="Picture 21"/>
+          <p:cNvPr id="31761" name="Picture 21"/>
           <p:cNvPicPr>
             <a:picLocks noChangeAspect="1" noChangeArrowheads="1"/>
           </p:cNvPicPr>
@@ -20355,7 +20650,7 @@
       </p:pic>
       <p:pic>
         <p:nvPicPr>
-          <p:cNvPr id="30738" name="Picture 28"/>
+          <p:cNvPr id="31762" name="Picture 28"/>
           <p:cNvPicPr>
             <a:picLocks noChangeAspect="1" noChangeArrowheads="1"/>
           </p:cNvPicPr>
@@ -20928,7 +21223,7 @@
       </p:graphicFrame>
       <p:pic>
         <p:nvPicPr>
-          <p:cNvPr id="31757" name="Picture 12"/>
+          <p:cNvPr id="32781" name="Picture 12"/>
           <p:cNvPicPr>
             <a:picLocks noChangeAspect="1" noChangeArrowheads="1"/>
           </p:cNvPicPr>
@@ -20960,7 +21255,7 @@
       </p:pic>
       <p:pic>
         <p:nvPicPr>
-          <p:cNvPr id="31758" name="Picture 19"/>
+          <p:cNvPr id="32782" name="Picture 19"/>
           <p:cNvPicPr>
             <a:picLocks noChangeAspect="1" noChangeArrowheads="1"/>
           </p:cNvPicPr>
@@ -21361,7 +21656,7 @@
       </p:graphicFrame>
       <p:pic>
         <p:nvPicPr>
-          <p:cNvPr id="33802" name="Picture 21"/>
+          <p:cNvPr id="34826" name="Picture 21"/>
           <p:cNvPicPr>
             <a:picLocks noChangeAspect="1" noChangeArrowheads="1"/>
           </p:cNvPicPr>
@@ -21660,7 +21955,7 @@
       </p:sp>
       <p:pic>
         <p:nvPicPr>
-          <p:cNvPr id="35842" name="Picture 4"/>
+          <p:cNvPr id="36866" name="Picture 4"/>
           <p:cNvPicPr>
             <a:picLocks noChangeAspect="1" noChangeArrowheads="1"/>
           </p:cNvPicPr>
@@ -21724,7 +22019,7 @@
       </p:grpSpPr>
       <p:sp>
         <p:nvSpPr>
-          <p:cNvPr id="36865" name="1 Título"/>
+          <p:cNvPr id="37889" name="1 Título"/>
           <p:cNvSpPr>
             <a:spLocks noGrp="1"/>
           </p:cNvSpPr>
@@ -21753,7 +22048,7 @@
       </p:sp>
       <p:sp>
         <p:nvSpPr>
-          <p:cNvPr id="36866" name="2 Subtítulo"/>
+          <p:cNvPr id="37890" name="2 Subtítulo"/>
           <p:cNvSpPr>
             <a:spLocks noGrp="1"/>
           </p:cNvSpPr>
@@ -21781,7 +22076,7 @@
       </p:sp>
       <p:sp>
         <p:nvSpPr>
-          <p:cNvPr id="36867" name="3 CuadroTexto"/>
+          <p:cNvPr id="37891" name="3 CuadroTexto"/>
           <p:cNvSpPr txBox="1">
             <a:spLocks noChangeArrowheads="1"/>
           </p:cNvSpPr>
@@ -21866,7 +22161,7 @@
       </p:sp>
       <p:sp>
         <p:nvSpPr>
-          <p:cNvPr id="36868" name="4 CuadroTexto"/>
+          <p:cNvPr id="37892" name="4 CuadroTexto"/>
           <p:cNvSpPr txBox="1">
             <a:spLocks noChangeArrowheads="1"/>
           </p:cNvSpPr>
@@ -22644,7 +22939,7 @@
       </p:graphicFrame>
       <p:pic>
         <p:nvPicPr>
-          <p:cNvPr id="44045" name="Picture 3"/>
+          <p:cNvPr id="22540" name="Picture 3"/>
           <p:cNvPicPr>
             <a:picLocks noChangeAspect="1" noChangeArrowheads="1"/>
           </p:cNvPicPr>
@@ -22676,7 +22971,7 @@
       </p:pic>
       <p:pic>
         <p:nvPicPr>
-          <p:cNvPr id="44046" name="Picture 4"/>
+          <p:cNvPr id="22541" name="Picture 4"/>
           <p:cNvPicPr>
             <a:picLocks noChangeAspect="1" noChangeArrowheads="1"/>
           </p:cNvPicPr>
@@ -22708,7 +23003,7 @@
       </p:pic>
       <p:pic>
         <p:nvPicPr>
-          <p:cNvPr id="44047" name="Picture 5"/>
+          <p:cNvPr id="22542" name="Picture 5"/>
           <p:cNvPicPr>
             <a:picLocks noChangeAspect="1" noChangeArrowheads="1"/>
           </p:cNvPicPr>
